--- a/Documents/Smart LookUP.pptx
+++ b/Documents/Smart LookUP.pptx
@@ -9,13 +9,12 @@
     <p:sldId id="258" r:id="rId3"/>
     <p:sldId id="268" r:id="rId4"/>
     <p:sldId id="259" r:id="rId5"/>
-    <p:sldId id="262" r:id="rId6"/>
-    <p:sldId id="261" r:id="rId7"/>
-    <p:sldId id="263" r:id="rId8"/>
-    <p:sldId id="264" r:id="rId9"/>
-    <p:sldId id="265" r:id="rId10"/>
-    <p:sldId id="267" r:id="rId11"/>
-    <p:sldId id="266" r:id="rId12"/>
+    <p:sldId id="261" r:id="rId6"/>
+    <p:sldId id="263" r:id="rId7"/>
+    <p:sldId id="264" r:id="rId8"/>
+    <p:sldId id="265" r:id="rId9"/>
+    <p:sldId id="267" r:id="rId10"/>
+    <p:sldId id="266" r:id="rId11"/>
   </p:sldIdLst>
   <p:sldSz cx="12192000" cy="6858000"/>
   <p:notesSz cx="6858000" cy="9144000"/>
@@ -5547,190 +5546,6 @@
       </p:grpSpPr>
       <p:sp>
         <p:nvSpPr>
-          <p:cNvPr id="2" name="Title 1"/>
-          <p:cNvSpPr>
-            <a:spLocks noGrp="1"/>
-          </p:cNvSpPr>
-          <p:nvPr>
-            <p:ph type="title"/>
-          </p:nvPr>
-        </p:nvSpPr>
-        <p:spPr/>
-        <p:txBody>
-          <a:bodyPr/>
-          <a:lstStyle/>
-          <a:p>
-            <a:r>
-              <a:rPr lang="en-US" dirty="0">
-                <a:latin typeface="Josefin Sans" pitchFamily="2" charset="0"/>
-              </a:rPr>
-              <a:t>Business Plan</a:t>
-            </a:r>
-            <a:br>
-              <a:rPr lang="en-US" dirty="0">
-                <a:latin typeface="Josefin Sans" pitchFamily="2" charset="0"/>
-              </a:rPr>
-            </a:br>
-            <a:r>
-              <a:rPr lang="en-US" sz="2000" dirty="0">
-                <a:latin typeface="Josefin Sans" pitchFamily="2" charset="0"/>
-              </a:rPr>
-              <a:t>Monetization (paid version)</a:t>
-            </a:r>
-            <a:endParaRPr lang="en-US" dirty="0">
-              <a:latin typeface="Josefin Sans" pitchFamily="2" charset="0"/>
-            </a:endParaRPr>
-          </a:p>
-        </p:txBody>
-      </p:sp>
-      <p:sp>
-        <p:nvSpPr>
-          <p:cNvPr id="3" name="Content Placeholder 2"/>
-          <p:cNvSpPr>
-            <a:spLocks noGrp="1"/>
-          </p:cNvSpPr>
-          <p:nvPr>
-            <p:ph sz="half" idx="1"/>
-          </p:nvPr>
-        </p:nvSpPr>
-        <p:spPr>
-          <a:xfrm>
-            <a:off x="818712" y="2222287"/>
-            <a:ext cx="5470877" cy="3993162"/>
-          </a:xfrm>
-        </p:spPr>
-        <p:txBody>
-          <a:bodyPr>
-            <a:normAutofit lnSpcReduction="10000"/>
-          </a:bodyPr>
-          <a:lstStyle/>
-          <a:p>
-            <a:pPr marL="0" indent="0">
-              <a:buNone/>
-            </a:pPr>
-            <a:r>
-              <a:rPr lang="en-US" dirty="0">
-                <a:effectLst/>
-              </a:rPr>
-              <a:t>Currently only a few services are integrated into the extension.</a:t>
-            </a:r>
-          </a:p>
-          <a:p>
-            <a:pPr marL="0" indent="0">
-              <a:buNone/>
-            </a:pPr>
-            <a:r>
-              <a:rPr lang="en-US" dirty="0">
-                <a:effectLst/>
-              </a:rPr>
-              <a:t>Interested users will be able to customize their own version of Smart LookUP, based on their domain of study.</a:t>
-            </a:r>
-          </a:p>
-          <a:p>
-            <a:pPr marL="0" indent="0">
-              <a:buNone/>
-            </a:pPr>
-            <a:r>
-              <a:rPr lang="en-US" dirty="0">
-                <a:effectLst/>
-              </a:rPr>
-              <a:t>Someone in academia, can opt to choose google scholar search, while a different person in stock markets might be only interested in real time news.</a:t>
-            </a:r>
-          </a:p>
-          <a:p>
-            <a:pPr marL="0" indent="0">
-              <a:buNone/>
-            </a:pPr>
-            <a:r>
-              <a:rPr lang="en-US" dirty="0">
-                <a:effectLst/>
-              </a:rPr>
-              <a:t>As, individual third party services could be expensive, we can reduce the overhead by distributing the cost over multiple subscribed users.</a:t>
-            </a:r>
-          </a:p>
-        </p:txBody>
-      </p:sp>
-      <p:pic>
-        <p:nvPicPr>
-          <p:cNvPr id="5" name="Content Placeholder 4"/>
-          <p:cNvPicPr>
-            <a:picLocks noGrp="1" noChangeAspect="1"/>
-          </p:cNvPicPr>
-          <p:nvPr>
-            <p:ph sz="half" idx="2"/>
-          </p:nvPr>
-        </p:nvPicPr>
-        <p:blipFill>
-          <a:blip r:embed="rId2"/>
-          <a:stretch>
-            <a:fillRect/>
-          </a:stretch>
-        </p:blipFill>
-        <p:spPr>
-          <a:xfrm>
-            <a:off x="7208520" y="2222500"/>
-            <a:ext cx="3153409" cy="3638550"/>
-          </a:xfrm>
-        </p:spPr>
-      </p:pic>
-      <p:sp>
-        <p:nvSpPr>
-          <p:cNvPr id="17" name="TextBox 16"/>
-          <p:cNvSpPr txBox="1"/>
-          <p:nvPr/>
-        </p:nvSpPr>
-        <p:spPr>
-          <a:xfrm flipH="1">
-            <a:off x="4049856" y="4563633"/>
-            <a:ext cx="4019654" cy="1544552"/>
-          </a:xfrm>
-          <a:prstGeom prst="rect">
-            <a:avLst/>
-          </a:prstGeom>
-          <a:noFill/>
-        </p:spPr>
-        <p:txBody>
-          <a:bodyPr wrap="square" rtlCol="0">
-            <a:spAutoFit/>
-          </a:bodyPr>
-          <a:lstStyle/>
-          <a:p>
-            <a:endParaRPr lang="en-US" dirty="0"/>
-          </a:p>
-        </p:txBody>
-      </p:sp>
-    </p:spTree>
-    <p:extLst>
-      <p:ext uri="{BB962C8B-B14F-4D97-AF65-F5344CB8AC3E}">
-        <p14:creationId xmlns:p14="http://schemas.microsoft.com/office/powerpoint/2010/main" val="890153283"/>
-      </p:ext>
-    </p:extLst>
-  </p:cSld>
-  <p:clrMapOvr>
-    <a:masterClrMapping/>
-  </p:clrMapOvr>
-</p:sld>
-</file>
-
-<file path=ppt/slides/slide11.xml><?xml version="1.0" encoding="utf-8"?>
-<p:sld xmlns:a="http://schemas.openxmlformats.org/drawingml/2006/main" xmlns:r="http://schemas.openxmlformats.org/officeDocument/2006/relationships" xmlns:p="http://schemas.openxmlformats.org/presentationml/2006/main">
-  <p:cSld>
-    <p:spTree>
-      <p:nvGrpSpPr>
-        <p:cNvPr id="1" name=""/>
-        <p:cNvGrpSpPr/>
-        <p:nvPr/>
-      </p:nvGrpSpPr>
-      <p:grpSpPr>
-        <a:xfrm>
-          <a:off x="0" y="0"/>
-          <a:ext cx="0" cy="0"/>
-          <a:chOff x="0" y="0"/>
-          <a:chExt cx="0" cy="0"/>
-        </a:xfrm>
-      </p:grpSpPr>
-      <p:sp>
-        <p:nvSpPr>
           <p:cNvPr id="6" name="Content Placeholder 5"/>
           <p:cNvSpPr>
             <a:spLocks noGrp="1"/>
@@ -5802,9 +5617,7 @@
           <a:lstStyle/>
           <a:p>
             <a:r>
-              <a:rPr lang="en-US" dirty="0">
-                <a:latin typeface="Josefin Sans" pitchFamily="2" charset="0"/>
-              </a:rPr>
+              <a:rPr lang="en-US" dirty="0"/>
               <a:t>Introduction</a:t>
             </a:r>
           </a:p>
@@ -6003,49 +5816,37 @@
           </a:p>
         </p:txBody>
       </p:sp>
-      <p:sp>
-        <p:nvSpPr>
-          <p:cNvPr id="4" name="Oval 3"/>
-          <p:cNvSpPr/>
+      <p:pic>
+        <p:nvPicPr>
+          <p:cNvPr id="5" name="Content Placeholder 38"/>
+          <p:cNvPicPr>
+            <a:picLocks noChangeAspect="1"/>
+          </p:cNvPicPr>
           <p:nvPr/>
-        </p:nvSpPr>
+        </p:nvPicPr>
+        <p:blipFill>
+          <a:blip r:embed="rId2"/>
+          <a:stretch>
+            <a:fillRect/>
+          </a:stretch>
+        </p:blipFill>
         <p:spPr>
           <a:xfrm>
-            <a:off x="8056605" y="2823401"/>
-            <a:ext cx="2545492" cy="2434281"/>
+            <a:off x="5390091" y="2031308"/>
+            <a:ext cx="6513733" cy="4688541"/>
           </a:xfrm>
-          <a:prstGeom prst="ellipse">
+          <a:prstGeom prst="rect">
             <a:avLst/>
           </a:prstGeom>
+          <a:effectLst>
+            <a:outerShdw blurRad="50800" dir="14400000">
+              <a:srgbClr val="000000">
+                <a:alpha val="40000"/>
+              </a:srgbClr>
+            </a:outerShdw>
+          </a:effectLst>
         </p:spPr>
-        <p:style>
-          <a:lnRef idx="2">
-            <a:schemeClr val="accent1">
-              <a:shade val="50000"/>
-            </a:schemeClr>
-          </a:lnRef>
-          <a:fillRef idx="1">
-            <a:schemeClr val="accent1"/>
-          </a:fillRef>
-          <a:effectRef idx="0">
-            <a:schemeClr val="accent1"/>
-          </a:effectRef>
-          <a:fontRef idx="minor">
-            <a:schemeClr val="lt1"/>
-          </a:fontRef>
-        </p:style>
-        <p:txBody>
-          <a:bodyPr rtlCol="0" anchor="ctr"/>
-          <a:lstStyle/>
-          <a:p>
-            <a:pPr algn="ctr"/>
-            <a:r>
-              <a:rPr lang="en-US" dirty="0"/>
-              <a:t>Smart LookUP</a:t>
-            </a:r>
-          </a:p>
-        </p:txBody>
-      </p:sp>
+      </p:pic>
     </p:spTree>
     <p:extLst>
       <p:ext uri="{BB962C8B-B14F-4D97-AF65-F5344CB8AC3E}">
@@ -6056,6 +5857,13 @@
   <p:clrMapOvr>
     <a:masterClrMapping/>
   </p:clrMapOvr>
+  <p:timing>
+    <p:tnLst>
+      <p:par>
+        <p:cTn id="1" dur="indefinite" restart="never" nodeType="tmRoot"/>
+      </p:par>
+    </p:tnLst>
+  </p:timing>
 </p:sld>
 </file>
 
@@ -6200,6 +6008,13 @@
   <p:clrMapOvr>
     <a:overrideClrMapping bg1="dk1" tx1="lt1" bg2="dk2" tx2="lt2" accent1="accent1" accent2="accent2" accent3="accent3" accent4="accent4" accent5="accent5" accent6="accent6" hlink="hlink" folHlink="folHlink"/>
   </p:clrMapOvr>
+  <p:timing>
+    <p:tnLst>
+      <p:par>
+        <p:cTn id="1" dur="indefinite" restart="never" nodeType="tmRoot"/>
+      </p:par>
+    </p:tnLst>
+  </p:timing>
 </p:sld>
 </file>
 
@@ -6220,109 +6035,112 @@
           <a:chExt cx="0" cy="0"/>
         </a:xfrm>
       </p:grpSpPr>
-      <p:pic>
-        <p:nvPicPr>
-          <p:cNvPr id="4" name="Shape 109"/>
-          <p:cNvPicPr preferRelativeResize="0"/>
-          <p:nvPr/>
-        </p:nvPicPr>
-        <p:blipFill>
-          <a:blip r:embed="rId2">
-            <a:extLst/>
-          </a:blip>
-          <a:stretch>
-            <a:fillRect/>
-          </a:stretch>
-        </p:blipFill>
+      <p:sp>
+        <p:nvSpPr>
+          <p:cNvPr id="2" name="Title 1"/>
+          <p:cNvSpPr>
+            <a:spLocks noGrp="1"/>
+          </p:cNvSpPr>
+          <p:nvPr>
+            <p:ph type="title"/>
+          </p:nvPr>
+        </p:nvSpPr>
+        <p:spPr/>
+        <p:txBody>
+          <a:bodyPr/>
+          <a:lstStyle/>
+          <a:p>
+            <a:r>
+              <a:rPr lang="en-US" dirty="0">
+                <a:latin typeface="Josefin Sans" pitchFamily="2" charset="0"/>
+              </a:rPr>
+              <a:t>Key Features</a:t>
+            </a:r>
+          </a:p>
+        </p:txBody>
+      </p:sp>
+      <p:sp>
+        <p:nvSpPr>
+          <p:cNvPr id="3" name="Content Placeholder 2"/>
+          <p:cNvSpPr>
+            <a:spLocks noGrp="1"/>
+          </p:cNvSpPr>
+          <p:nvPr>
+            <p:ph idx="1"/>
+          </p:nvPr>
+        </p:nvSpPr>
         <p:spPr>
           <a:xfrm>
-            <a:off x="4923692" y="2447370"/>
-            <a:ext cx="6698695" cy="3768015"/>
+            <a:off x="818712" y="2222287"/>
+            <a:ext cx="10554574" cy="4005518"/>
           </a:xfrm>
-          <a:prstGeom prst="rect">
-            <a:avLst/>
-          </a:prstGeom>
-          <a:noFill/>
         </p:spPr>
-      </p:pic>
-      <p:sp>
-        <p:nvSpPr>
-          <p:cNvPr id="2" name="Title 1"/>
-          <p:cNvSpPr>
-            <a:spLocks noGrp="1"/>
-          </p:cNvSpPr>
-          <p:nvPr>
-            <p:ph type="title"/>
-          </p:nvPr>
-        </p:nvSpPr>
-        <p:spPr/>
         <p:txBody>
           <a:bodyPr>
             <a:normAutofit/>
           </a:bodyPr>
           <a:lstStyle/>
           <a:p>
-            <a:r>
-              <a:rPr lang="en-US" dirty="0">
-                <a:latin typeface="Josefin Sans" pitchFamily="2" charset="0"/>
-              </a:rPr>
-              <a:t>Architecture</a:t>
-            </a:r>
-            <a:endParaRPr lang="en-US" sz="3200" dirty="0"/>
-          </a:p>
-        </p:txBody>
-      </p:sp>
-      <p:sp>
-        <p:nvSpPr>
-          <p:cNvPr id="3" name="Content Placeholder 2"/>
-          <p:cNvSpPr>
-            <a:spLocks noGrp="1"/>
-          </p:cNvSpPr>
-          <p:nvPr>
-            <p:ph idx="1"/>
-          </p:nvPr>
-        </p:nvSpPr>
-        <p:spPr/>
-        <p:txBody>
-          <a:bodyPr>
-            <a:normAutofit/>
-          </a:bodyPr>
-          <a:lstStyle/>
-          <a:p>
             <a:pPr marL="0" indent="0">
               <a:buNone/>
             </a:pPr>
             <a:r>
-              <a:rPr lang="en" sz="2000" dirty="0"/>
-              <a:t>Here’s another view</a:t>
+              <a:rPr lang="en" b="1" dirty="0"/>
+              <a:t>Platform Independent: </a:t>
+            </a:r>
+            <a:r>
+              <a:rPr lang="en" dirty="0"/>
+              <a:t>Smart LookUP can run on various devices with ease. Once deployed, it can be easily installed from the Chrome Web Store.</a:t>
+            </a:r>
+          </a:p>
+          <a:p>
+            <a:pPr marL="0" indent="0">
+              <a:buNone/>
+            </a:pPr>
+            <a:endParaRPr lang="en" b="1" dirty="0"/>
+          </a:p>
+          <a:p>
+            <a:pPr marL="0" indent="0">
+              <a:buNone/>
+            </a:pPr>
+            <a:r>
+              <a:rPr lang="en" b="1" dirty="0"/>
+              <a:t>Modularity:</a:t>
+            </a:r>
+            <a:r>
+              <a:rPr lang="en" dirty="0"/>
+              <a:t> Using REST APIs for communication among different component with JSON objects brings the modularity in our design and make the components independent of each other.</a:t>
+            </a:r>
+          </a:p>
+          <a:p>
+            <a:r>
+              <a:rPr lang="en" dirty="0"/>
+              <a:t>This helps us to customize the extension to different customers uniquely</a:t>
             </a:r>
             <a:br>
-              <a:rPr lang="en" sz="2000" dirty="0"/>
+              <a:rPr lang="en" dirty="0"/>
             </a:br>
-            <a:r>
-              <a:rPr lang="en" sz="2000" dirty="0"/>
-              <a:t>at the data flow </a:t>
-            </a:r>
-            <a:br>
-              <a:rPr lang="en" sz="2000" dirty="0"/>
-            </a:br>
-            <a:r>
-              <a:rPr lang="en" sz="2000" dirty="0"/>
-              <a:t>within the application</a:t>
-            </a:r>
+            <a:endParaRPr lang="en" dirty="0"/>
           </a:p>
           <a:p>
             <a:pPr marL="0" indent="0">
               <a:buNone/>
             </a:pPr>
-            <a:endParaRPr lang="en-US" sz="2000" dirty="0"/>
+            <a:r>
+              <a:rPr lang="en-US" b="1" dirty="0"/>
+              <a:t>User Friendliness</a:t>
+            </a:r>
+            <a:r>
+              <a:rPr lang="en-US" dirty="0"/>
+              <a:t>: The UI is simple to use and intuitive. The user can enable or disable Smart LookUP easily. The user has no need to switch among multiple windows as relevant content from their favorite search engines are available to them in a ready to use manner. It increases user’s efficiency to research the web content and save the user’s time.</a:t>
+            </a:r>
           </a:p>
         </p:txBody>
       </p:sp>
     </p:spTree>
     <p:extLst>
       <p:ext uri="{BB962C8B-B14F-4D97-AF65-F5344CB8AC3E}">
-        <p14:creationId xmlns:p14="http://schemas.microsoft.com/office/powerpoint/2010/main" val="1323037960"/>
+        <p14:creationId xmlns:p14="http://schemas.microsoft.com/office/powerpoint/2010/main" val="2060681380"/>
       </p:ext>
     </p:extLst>
   </p:cSld>
@@ -6368,8 +6186,22 @@
               <a:rPr lang="en-US" dirty="0">
                 <a:latin typeface="Josefin Sans" pitchFamily="2" charset="0"/>
               </a:rPr>
-              <a:t>Key Features</a:t>
-            </a:r>
+              <a:t>Business Plan</a:t>
+            </a:r>
+            <a:br>
+              <a:rPr lang="en-US" dirty="0">
+                <a:latin typeface="Josefin Sans" pitchFamily="2" charset="0"/>
+              </a:rPr>
+            </a:br>
+            <a:r>
+              <a:rPr lang="en-US" sz="2000" dirty="0">
+                <a:latin typeface="Josefin Sans" pitchFamily="2" charset="0"/>
+              </a:rPr>
+              <a:t>Everyone of us is different !</a:t>
+            </a:r>
+            <a:endParaRPr lang="en-US" dirty="0">
+              <a:latin typeface="Josefin Sans" pitchFamily="2" charset="0"/>
+            </a:endParaRPr>
           </a:p>
         </p:txBody>
       </p:sp>
@@ -6383,78 +6215,37 @@
             <p:ph idx="1"/>
           </p:nvPr>
         </p:nvSpPr>
-        <p:spPr>
-          <a:xfrm>
-            <a:off x="818712" y="2222287"/>
-            <a:ext cx="10554574" cy="4005518"/>
-          </a:xfrm>
-        </p:spPr>
-        <p:txBody>
-          <a:bodyPr>
-            <a:normAutofit/>
-          </a:bodyPr>
+        <p:spPr/>
+        <p:txBody>
+          <a:bodyPr/>
           <a:lstStyle/>
           <a:p>
             <a:pPr marL="0" indent="0">
               <a:buNone/>
             </a:pPr>
             <a:r>
-              <a:rPr lang="en" b="1" dirty="0"/>
-              <a:t>Platform Independent: </a:t>
-            </a:r>
-            <a:r>
               <a:rPr lang="en" dirty="0"/>
-              <a:t>Smart LookUP can run on various devices with ease. Once deployed, it can be easily installed from the Chrome Web Store.</a:t>
+              <a:t>Smart LookUP empowers users by providing relevant content from the web in real time. A user can use it to research the content of any page comprehensively, in the comfort of the same tab.</a:t>
             </a:r>
           </a:p>
           <a:p>
             <a:pPr marL="0" indent="0">
               <a:buNone/>
             </a:pPr>
-            <a:endParaRPr lang="en" b="1" dirty="0"/>
+            <a:endParaRPr lang="en-US" dirty="0"/>
           </a:p>
           <a:p>
             <a:pPr marL="0" indent="0">
               <a:buNone/>
             </a:pPr>
-            <a:r>
-              <a:rPr lang="en" b="1" dirty="0"/>
-              <a:t>Modularity:</a:t>
-            </a:r>
-            <a:r>
-              <a:rPr lang="en" dirty="0"/>
-              <a:t> Using REST APIs for communication among different component with JSON objects brings the modularity in our design and make the components independent of each other.</a:t>
-            </a:r>
-          </a:p>
-          <a:p>
-            <a:r>
-              <a:rPr lang="en" dirty="0"/>
-              <a:t>This helps us to customize the extension to different customers uniquely</a:t>
-            </a:r>
-            <a:br>
-              <a:rPr lang="en" dirty="0"/>
-            </a:br>
-            <a:endParaRPr lang="en" dirty="0"/>
-          </a:p>
-          <a:p>
-            <a:pPr marL="0" indent="0">
-              <a:buNone/>
-            </a:pPr>
-            <a:r>
-              <a:rPr lang="en-US" b="1" dirty="0"/>
-              <a:t>User Friendliness</a:t>
-            </a:r>
-            <a:r>
-              <a:rPr lang="en-US" dirty="0"/>
-              <a:t>: The UI is simple to use and intuitive. The user can enable or disable Smart LookUP easily. The user has no need to switch among multiple windows as relevant content from their favorite search engines are available to them in a ready to use manner. It increases user’s efficiency to research the web content and save the user’s time.</a:t>
-            </a:r>
+            <a:endParaRPr lang="en-US" dirty="0"/>
           </a:p>
         </p:txBody>
       </p:sp>
     </p:spTree>
     <p:extLst>
       <p:ext uri="{BB962C8B-B14F-4D97-AF65-F5344CB8AC3E}">
-        <p14:creationId xmlns:p14="http://schemas.microsoft.com/office/powerpoint/2010/main" val="2060681380"/>
+        <p14:creationId xmlns:p14="http://schemas.microsoft.com/office/powerpoint/2010/main" val="4232428070"/>
       </p:ext>
     </p:extLst>
   </p:cSld>
@@ -6552,111 +6343,6 @@
             <a:pPr marL="0" indent="0">
               <a:buNone/>
             </a:pPr>
-            <a:endParaRPr lang="en-US" dirty="0"/>
-          </a:p>
-        </p:txBody>
-      </p:sp>
-    </p:spTree>
-    <p:extLst>
-      <p:ext uri="{BB962C8B-B14F-4D97-AF65-F5344CB8AC3E}">
-        <p14:creationId xmlns:p14="http://schemas.microsoft.com/office/powerpoint/2010/main" val="4232428070"/>
-      </p:ext>
-    </p:extLst>
-  </p:cSld>
-  <p:clrMapOvr>
-    <a:masterClrMapping/>
-  </p:clrMapOvr>
-</p:sld>
-</file>
-
-<file path=ppt/slides/slide8.xml><?xml version="1.0" encoding="utf-8"?>
-<p:sld xmlns:a="http://schemas.openxmlformats.org/drawingml/2006/main" xmlns:r="http://schemas.openxmlformats.org/officeDocument/2006/relationships" xmlns:p="http://schemas.openxmlformats.org/presentationml/2006/main">
-  <p:cSld>
-    <p:spTree>
-      <p:nvGrpSpPr>
-        <p:cNvPr id="1" name=""/>
-        <p:cNvGrpSpPr/>
-        <p:nvPr/>
-      </p:nvGrpSpPr>
-      <p:grpSpPr>
-        <a:xfrm>
-          <a:off x="0" y="0"/>
-          <a:ext cx="0" cy="0"/>
-          <a:chOff x="0" y="0"/>
-          <a:chExt cx="0" cy="0"/>
-        </a:xfrm>
-      </p:grpSpPr>
-      <p:sp>
-        <p:nvSpPr>
-          <p:cNvPr id="2" name="Title 1"/>
-          <p:cNvSpPr>
-            <a:spLocks noGrp="1"/>
-          </p:cNvSpPr>
-          <p:nvPr>
-            <p:ph type="title"/>
-          </p:nvPr>
-        </p:nvSpPr>
-        <p:spPr/>
-        <p:txBody>
-          <a:bodyPr/>
-          <a:lstStyle/>
-          <a:p>
-            <a:r>
-              <a:rPr lang="en-US" dirty="0">
-                <a:latin typeface="Josefin Sans" pitchFamily="2" charset="0"/>
-              </a:rPr>
-              <a:t>Business Plan</a:t>
-            </a:r>
-            <a:br>
-              <a:rPr lang="en-US" dirty="0">
-                <a:latin typeface="Josefin Sans" pitchFamily="2" charset="0"/>
-              </a:rPr>
-            </a:br>
-            <a:r>
-              <a:rPr lang="en-US" sz="2000" dirty="0">
-                <a:latin typeface="Josefin Sans" pitchFamily="2" charset="0"/>
-              </a:rPr>
-              <a:t>Everyone of us is different !</a:t>
-            </a:r>
-            <a:endParaRPr lang="en-US" dirty="0">
-              <a:latin typeface="Josefin Sans" pitchFamily="2" charset="0"/>
-            </a:endParaRPr>
-          </a:p>
-        </p:txBody>
-      </p:sp>
-      <p:sp>
-        <p:nvSpPr>
-          <p:cNvPr id="3" name="Content Placeholder 2"/>
-          <p:cNvSpPr>
-            <a:spLocks noGrp="1"/>
-          </p:cNvSpPr>
-          <p:nvPr>
-            <p:ph idx="1"/>
-          </p:nvPr>
-        </p:nvSpPr>
-        <p:spPr/>
-        <p:txBody>
-          <a:bodyPr/>
-          <a:lstStyle/>
-          <a:p>
-            <a:pPr marL="0" indent="0">
-              <a:buNone/>
-            </a:pPr>
-            <a:r>
-              <a:rPr lang="en" dirty="0"/>
-              <a:t>Smart LookUP empowers users by providing relevant content from the web in real time. A user can use it to research the content of any page comprehensively, in the comfort of the same tab.</a:t>
-            </a:r>
-          </a:p>
-          <a:p>
-            <a:pPr marL="0" indent="0">
-              <a:buNone/>
-            </a:pPr>
-            <a:endParaRPr lang="en-US" dirty="0"/>
-          </a:p>
-          <a:p>
-            <a:pPr marL="0" indent="0">
-              <a:buNone/>
-            </a:pPr>
             <a:r>
               <a:rPr lang="en-US" dirty="0"/>
               <a:t>Different users have specific needs and care about different content.</a:t>
@@ -6677,7 +6363,7 @@
 </p:sld>
 </file>
 
-<file path=ppt/slides/slide9.xml><?xml version="1.0" encoding="utf-8"?>
+<file path=ppt/slides/slide8.xml><?xml version="1.0" encoding="utf-8"?>
 <p:sld xmlns:a="http://schemas.openxmlformats.org/drawingml/2006/main" xmlns:r="http://schemas.openxmlformats.org/officeDocument/2006/relationships" xmlns:p="http://schemas.openxmlformats.org/presentationml/2006/main">
   <p:cSld>
     <p:spTree>
@@ -6906,6 +6592,190 @@
     <p:extLst>
       <p:ext uri="{BB962C8B-B14F-4D97-AF65-F5344CB8AC3E}">
         <p14:creationId xmlns:p14="http://schemas.microsoft.com/office/powerpoint/2010/main" val="1015587647"/>
+      </p:ext>
+    </p:extLst>
+  </p:cSld>
+  <p:clrMapOvr>
+    <a:masterClrMapping/>
+  </p:clrMapOvr>
+</p:sld>
+</file>
+
+<file path=ppt/slides/slide9.xml><?xml version="1.0" encoding="utf-8"?>
+<p:sld xmlns:a="http://schemas.openxmlformats.org/drawingml/2006/main" xmlns:r="http://schemas.openxmlformats.org/officeDocument/2006/relationships" xmlns:p="http://schemas.openxmlformats.org/presentationml/2006/main">
+  <p:cSld>
+    <p:spTree>
+      <p:nvGrpSpPr>
+        <p:cNvPr id="1" name=""/>
+        <p:cNvGrpSpPr/>
+        <p:nvPr/>
+      </p:nvGrpSpPr>
+      <p:grpSpPr>
+        <a:xfrm>
+          <a:off x="0" y="0"/>
+          <a:ext cx="0" cy="0"/>
+          <a:chOff x="0" y="0"/>
+          <a:chExt cx="0" cy="0"/>
+        </a:xfrm>
+      </p:grpSpPr>
+      <p:sp>
+        <p:nvSpPr>
+          <p:cNvPr id="2" name="Title 1"/>
+          <p:cNvSpPr>
+            <a:spLocks noGrp="1"/>
+          </p:cNvSpPr>
+          <p:nvPr>
+            <p:ph type="title"/>
+          </p:nvPr>
+        </p:nvSpPr>
+        <p:spPr/>
+        <p:txBody>
+          <a:bodyPr/>
+          <a:lstStyle/>
+          <a:p>
+            <a:r>
+              <a:rPr lang="en-US" dirty="0">
+                <a:latin typeface="Josefin Sans" pitchFamily="2" charset="0"/>
+              </a:rPr>
+              <a:t>Business Plan</a:t>
+            </a:r>
+            <a:br>
+              <a:rPr lang="en-US" dirty="0">
+                <a:latin typeface="Josefin Sans" pitchFamily="2" charset="0"/>
+              </a:rPr>
+            </a:br>
+            <a:r>
+              <a:rPr lang="en-US" sz="2000" dirty="0">
+                <a:latin typeface="Josefin Sans" pitchFamily="2" charset="0"/>
+              </a:rPr>
+              <a:t>Monetization (paid version)</a:t>
+            </a:r>
+            <a:endParaRPr lang="en-US" dirty="0">
+              <a:latin typeface="Josefin Sans" pitchFamily="2" charset="0"/>
+            </a:endParaRPr>
+          </a:p>
+        </p:txBody>
+      </p:sp>
+      <p:sp>
+        <p:nvSpPr>
+          <p:cNvPr id="3" name="Content Placeholder 2"/>
+          <p:cNvSpPr>
+            <a:spLocks noGrp="1"/>
+          </p:cNvSpPr>
+          <p:nvPr>
+            <p:ph sz="half" idx="1"/>
+          </p:nvPr>
+        </p:nvSpPr>
+        <p:spPr>
+          <a:xfrm>
+            <a:off x="818712" y="2222287"/>
+            <a:ext cx="5470877" cy="3993162"/>
+          </a:xfrm>
+        </p:spPr>
+        <p:txBody>
+          <a:bodyPr>
+            <a:normAutofit lnSpcReduction="10000"/>
+          </a:bodyPr>
+          <a:lstStyle/>
+          <a:p>
+            <a:pPr marL="0" indent="0">
+              <a:buNone/>
+            </a:pPr>
+            <a:r>
+              <a:rPr lang="en-US" dirty="0">
+                <a:effectLst/>
+              </a:rPr>
+              <a:t>Currently only a few services are integrated into the extension.</a:t>
+            </a:r>
+          </a:p>
+          <a:p>
+            <a:pPr marL="0" indent="0">
+              <a:buNone/>
+            </a:pPr>
+            <a:r>
+              <a:rPr lang="en-US" dirty="0">
+                <a:effectLst/>
+              </a:rPr>
+              <a:t>Interested users will be able to customize their own version of Smart LookUP, based on their domain of study.</a:t>
+            </a:r>
+          </a:p>
+          <a:p>
+            <a:pPr marL="0" indent="0">
+              <a:buNone/>
+            </a:pPr>
+            <a:r>
+              <a:rPr lang="en-US" dirty="0">
+                <a:effectLst/>
+              </a:rPr>
+              <a:t>Someone in academia, can opt to choose google scholar search, while a different person in stock markets might be only interested in real time news.</a:t>
+            </a:r>
+          </a:p>
+          <a:p>
+            <a:pPr marL="0" indent="0">
+              <a:buNone/>
+            </a:pPr>
+            <a:r>
+              <a:rPr lang="en-US" dirty="0">
+                <a:effectLst/>
+              </a:rPr>
+              <a:t>As, individual third party services could be expensive, we can reduce the overhead by distributing the cost over multiple subscribed users.</a:t>
+            </a:r>
+          </a:p>
+        </p:txBody>
+      </p:sp>
+      <p:pic>
+        <p:nvPicPr>
+          <p:cNvPr id="5" name="Content Placeholder 4"/>
+          <p:cNvPicPr>
+            <a:picLocks noGrp="1" noChangeAspect="1"/>
+          </p:cNvPicPr>
+          <p:nvPr>
+            <p:ph sz="half" idx="2"/>
+          </p:nvPr>
+        </p:nvPicPr>
+        <p:blipFill>
+          <a:blip r:embed="rId2"/>
+          <a:stretch>
+            <a:fillRect/>
+          </a:stretch>
+        </p:blipFill>
+        <p:spPr>
+          <a:xfrm>
+            <a:off x="7208520" y="2222500"/>
+            <a:ext cx="3153409" cy="3638550"/>
+          </a:xfrm>
+        </p:spPr>
+      </p:pic>
+      <p:sp>
+        <p:nvSpPr>
+          <p:cNvPr id="17" name="TextBox 16"/>
+          <p:cNvSpPr txBox="1"/>
+          <p:nvPr/>
+        </p:nvSpPr>
+        <p:spPr>
+          <a:xfrm flipH="1">
+            <a:off x="4049856" y="4563633"/>
+            <a:ext cx="4019654" cy="1544552"/>
+          </a:xfrm>
+          <a:prstGeom prst="rect">
+            <a:avLst/>
+          </a:prstGeom>
+          <a:noFill/>
+        </p:spPr>
+        <p:txBody>
+          <a:bodyPr wrap="square" rtlCol="0">
+            <a:spAutoFit/>
+          </a:bodyPr>
+          <a:lstStyle/>
+          <a:p>
+            <a:endParaRPr lang="en-US" dirty="0"/>
+          </a:p>
+        </p:txBody>
+      </p:sp>
+    </p:spTree>
+    <p:extLst>
+      <p:ext uri="{BB962C8B-B14F-4D97-AF65-F5344CB8AC3E}">
+        <p14:creationId xmlns:p14="http://schemas.microsoft.com/office/powerpoint/2010/main" val="890153283"/>
       </p:ext>
     </p:extLst>
   </p:cSld>

--- a/Documents/Smart LookUP.pptx
+++ b/Documents/Smart LookUP.pptx
@@ -7,14 +7,15 @@
   <p:sldIdLst>
     <p:sldId id="256" r:id="rId2"/>
     <p:sldId id="258" r:id="rId3"/>
-    <p:sldId id="268" r:id="rId4"/>
-    <p:sldId id="259" r:id="rId5"/>
-    <p:sldId id="261" r:id="rId6"/>
-    <p:sldId id="263" r:id="rId7"/>
-    <p:sldId id="264" r:id="rId8"/>
-    <p:sldId id="265" r:id="rId9"/>
-    <p:sldId id="267" r:id="rId10"/>
-    <p:sldId id="266" r:id="rId11"/>
+    <p:sldId id="269" r:id="rId4"/>
+    <p:sldId id="268" r:id="rId5"/>
+    <p:sldId id="259" r:id="rId6"/>
+    <p:sldId id="261" r:id="rId7"/>
+    <p:sldId id="263" r:id="rId8"/>
+    <p:sldId id="264" r:id="rId9"/>
+    <p:sldId id="265" r:id="rId10"/>
+    <p:sldId id="267" r:id="rId11"/>
+    <p:sldId id="266" r:id="rId12"/>
   </p:sldIdLst>
   <p:sldSz cx="12192000" cy="6858000"/>
   <p:notesSz cx="6858000" cy="9144000"/>
@@ -216,7 +217,7 @@
           <a:effectLst/>
           <a:extLst>
             <a:ext uri="{91240B29-F687-4f45-9708-019B960494DF}">
-              <a14:hiddenLine xmlns="" xmlns:a14="http://schemas.microsoft.com/office/drawing/2010/main" w="9525">
+              <a14:hiddenLine xmlns:a14="http://schemas.microsoft.com/office/drawing/2010/main" xmlns="" w="9525">
                 <a:solidFill>
                   <a:srgbClr val="000000"/>
                 </a:solidFill>
@@ -1746,7 +1747,7 @@
           <a:ln/>
           <a:extLst>
             <a:ext uri="{91240B29-F687-4f45-9708-019B960494DF}">
-              <a14:hiddenLine xmlns="" xmlns:a14="http://schemas.microsoft.com/office/drawing/2010/main" w="9525">
+              <a14:hiddenLine xmlns:a14="http://schemas.microsoft.com/office/drawing/2010/main" xmlns="" w="9525">
                 <a:solidFill>
                   <a:srgbClr val="000000"/>
                 </a:solidFill>
@@ -2023,7 +2024,7 @@
           <a:ln/>
           <a:extLst>
             <a:ext uri="{91240B29-F687-4f45-9708-019B960494DF}">
-              <a14:hiddenLine xmlns="" xmlns:a14="http://schemas.microsoft.com/office/drawing/2010/main" w="9525">
+              <a14:hiddenLine xmlns:a14="http://schemas.microsoft.com/office/drawing/2010/main" xmlns="" w="9525">
                 <a:solidFill>
                   <a:srgbClr val="000000"/>
                 </a:solidFill>
@@ -2308,7 +2309,7 @@
           <a:ln/>
           <a:extLst>
             <a:ext uri="{91240B29-F687-4f45-9708-019B960494DF}">
-              <a14:hiddenLine xmlns="" xmlns:a14="http://schemas.microsoft.com/office/drawing/2010/main" w="9525">
+              <a14:hiddenLine xmlns:a14="http://schemas.microsoft.com/office/drawing/2010/main" xmlns="" w="9525">
                 <a:solidFill>
                   <a:srgbClr val="000000"/>
                 </a:solidFill>
@@ -2938,7 +2939,7 @@
           <a:ln/>
           <a:extLst>
             <a:ext uri="{91240B29-F687-4f45-9708-019B960494DF}">
-              <a14:hiddenLine xmlns="" xmlns:a14="http://schemas.microsoft.com/office/drawing/2010/main" w="9525">
+              <a14:hiddenLine xmlns:a14="http://schemas.microsoft.com/office/drawing/2010/main" xmlns="" w="9525">
                 <a:solidFill>
                   <a:srgbClr val="000000"/>
                 </a:solidFill>
@@ -3279,7 +3280,7 @@
           <a:ln/>
           <a:extLst>
             <a:ext uri="{91240B29-F687-4f45-9708-019B960494DF}">
-              <a14:hiddenLine xmlns="" xmlns:a14="http://schemas.microsoft.com/office/drawing/2010/main" w="9525">
+              <a14:hiddenLine xmlns:a14="http://schemas.microsoft.com/office/drawing/2010/main" xmlns="" w="9525">
                 <a:solidFill>
                   <a:srgbClr val="000000"/>
                 </a:solidFill>
@@ -3758,7 +3759,7 @@
           <a:ln/>
           <a:extLst>
             <a:ext uri="{91240B29-F687-4f45-9708-019B960494DF}">
-              <a14:hiddenLine xmlns="" xmlns:a14="http://schemas.microsoft.com/office/drawing/2010/main" w="9525">
+              <a14:hiddenLine xmlns:a14="http://schemas.microsoft.com/office/drawing/2010/main" xmlns="" w="9525">
                 <a:solidFill>
                   <a:srgbClr val="000000"/>
                 </a:solidFill>
@@ -4191,7 +4192,7 @@
           <a:ln/>
           <a:extLst>
             <a:ext uri="{91240B29-F687-4f45-9708-019B960494DF}">
-              <a14:hiddenLine xmlns="" xmlns:a14="http://schemas.microsoft.com/office/drawing/2010/main" w="9525">
+              <a14:hiddenLine xmlns:a14="http://schemas.microsoft.com/office/drawing/2010/main" xmlns="" w="9525">
                 <a:solidFill>
                   <a:srgbClr val="000000"/>
                 </a:solidFill>
@@ -5524,6 +5525,13 @@
   <p:clrMapOvr>
     <a:masterClrMapping/>
   </p:clrMapOvr>
+  <p:timing>
+    <p:tnLst>
+      <p:par>
+        <p:cTn id="1" dur="indefinite" restart="never" nodeType="tmRoot"/>
+      </p:par>
+    </p:tnLst>
+  </p:timing>
 </p:sld>
 </file>
 
@@ -5546,6 +5554,197 @@
       </p:grpSpPr>
       <p:sp>
         <p:nvSpPr>
+          <p:cNvPr id="2" name="Title 1"/>
+          <p:cNvSpPr>
+            <a:spLocks noGrp="1"/>
+          </p:cNvSpPr>
+          <p:nvPr>
+            <p:ph type="title"/>
+          </p:nvPr>
+        </p:nvSpPr>
+        <p:spPr/>
+        <p:txBody>
+          <a:bodyPr/>
+          <a:lstStyle/>
+          <a:p>
+            <a:r>
+              <a:rPr lang="en-US" dirty="0">
+                <a:latin typeface="Josefin Sans" pitchFamily="2" charset="0"/>
+              </a:rPr>
+              <a:t>Business Plan</a:t>
+            </a:r>
+            <a:br>
+              <a:rPr lang="en-US" dirty="0">
+                <a:latin typeface="Josefin Sans" pitchFamily="2" charset="0"/>
+              </a:rPr>
+            </a:br>
+            <a:r>
+              <a:rPr lang="en-US" sz="2000" dirty="0">
+                <a:latin typeface="Josefin Sans" pitchFamily="2" charset="0"/>
+              </a:rPr>
+              <a:t>Monetization (paid version)</a:t>
+            </a:r>
+            <a:endParaRPr lang="en-US" dirty="0">
+              <a:latin typeface="Josefin Sans" pitchFamily="2" charset="0"/>
+            </a:endParaRPr>
+          </a:p>
+        </p:txBody>
+      </p:sp>
+      <p:sp>
+        <p:nvSpPr>
+          <p:cNvPr id="3" name="Content Placeholder 2"/>
+          <p:cNvSpPr>
+            <a:spLocks noGrp="1"/>
+          </p:cNvSpPr>
+          <p:nvPr>
+            <p:ph sz="half" idx="1"/>
+          </p:nvPr>
+        </p:nvSpPr>
+        <p:spPr>
+          <a:xfrm>
+            <a:off x="818712" y="2222287"/>
+            <a:ext cx="5470877" cy="3993162"/>
+          </a:xfrm>
+        </p:spPr>
+        <p:txBody>
+          <a:bodyPr>
+            <a:normAutofit lnSpcReduction="10000"/>
+          </a:bodyPr>
+          <a:lstStyle/>
+          <a:p>
+            <a:pPr marL="0" indent="0">
+              <a:buNone/>
+            </a:pPr>
+            <a:r>
+              <a:rPr lang="en-US" dirty="0">
+                <a:effectLst/>
+              </a:rPr>
+              <a:t>Currently only a few services are integrated into the extension.</a:t>
+            </a:r>
+          </a:p>
+          <a:p>
+            <a:pPr marL="0" indent="0">
+              <a:buNone/>
+            </a:pPr>
+            <a:r>
+              <a:rPr lang="en-US" dirty="0">
+                <a:effectLst/>
+              </a:rPr>
+              <a:t>Interested users will be able to customize their own version of Smart LookUP, based on their domain of study.</a:t>
+            </a:r>
+          </a:p>
+          <a:p>
+            <a:pPr marL="0" indent="0">
+              <a:buNone/>
+            </a:pPr>
+            <a:r>
+              <a:rPr lang="en-US" dirty="0">
+                <a:effectLst/>
+              </a:rPr>
+              <a:t>Someone in academia, can opt to choose google scholar search, while a different person in stock markets might be only interested in real time news.</a:t>
+            </a:r>
+          </a:p>
+          <a:p>
+            <a:pPr marL="0" indent="0">
+              <a:buNone/>
+            </a:pPr>
+            <a:r>
+              <a:rPr lang="en-US" dirty="0">
+                <a:effectLst/>
+              </a:rPr>
+              <a:t>As, individual third party services could be expensive, we can reduce the overhead by distributing the cost over multiple subscribed users.</a:t>
+            </a:r>
+          </a:p>
+        </p:txBody>
+      </p:sp>
+      <p:pic>
+        <p:nvPicPr>
+          <p:cNvPr id="5" name="Content Placeholder 4"/>
+          <p:cNvPicPr>
+            <a:picLocks noGrp="1" noChangeAspect="1"/>
+          </p:cNvPicPr>
+          <p:nvPr>
+            <p:ph sz="half" idx="2"/>
+          </p:nvPr>
+        </p:nvPicPr>
+        <p:blipFill>
+          <a:blip r:embed="rId2"/>
+          <a:stretch>
+            <a:fillRect/>
+          </a:stretch>
+        </p:blipFill>
+        <p:spPr>
+          <a:xfrm>
+            <a:off x="7208520" y="2222500"/>
+            <a:ext cx="3153409" cy="3638550"/>
+          </a:xfrm>
+        </p:spPr>
+      </p:pic>
+      <p:sp>
+        <p:nvSpPr>
+          <p:cNvPr id="17" name="TextBox 16"/>
+          <p:cNvSpPr txBox="1"/>
+          <p:nvPr/>
+        </p:nvSpPr>
+        <p:spPr>
+          <a:xfrm flipH="1">
+            <a:off x="4049856" y="4563633"/>
+            <a:ext cx="4019654" cy="1544552"/>
+          </a:xfrm>
+          <a:prstGeom prst="rect">
+            <a:avLst/>
+          </a:prstGeom>
+          <a:noFill/>
+        </p:spPr>
+        <p:txBody>
+          <a:bodyPr wrap="square" rtlCol="0">
+            <a:spAutoFit/>
+          </a:bodyPr>
+          <a:lstStyle/>
+          <a:p>
+            <a:endParaRPr lang="en-US" dirty="0"/>
+          </a:p>
+        </p:txBody>
+      </p:sp>
+    </p:spTree>
+    <p:extLst>
+      <p:ext uri="{BB962C8B-B14F-4D97-AF65-F5344CB8AC3E}">
+        <p14:creationId xmlns:p14="http://schemas.microsoft.com/office/powerpoint/2010/main" val="890153283"/>
+      </p:ext>
+    </p:extLst>
+  </p:cSld>
+  <p:clrMapOvr>
+    <a:masterClrMapping/>
+  </p:clrMapOvr>
+  <p:timing>
+    <p:tnLst>
+      <p:par>
+        <p:cTn id="1" dur="indefinite" restart="never" nodeType="tmRoot"/>
+      </p:par>
+    </p:tnLst>
+  </p:timing>
+</p:sld>
+</file>
+
+<file path=ppt/slides/slide11.xml><?xml version="1.0" encoding="utf-8"?>
+<p:sld xmlns:a="http://schemas.openxmlformats.org/drawingml/2006/main" xmlns:r="http://schemas.openxmlformats.org/officeDocument/2006/relationships" xmlns:p="http://schemas.openxmlformats.org/presentationml/2006/main">
+  <p:cSld>
+    <p:spTree>
+      <p:nvGrpSpPr>
+        <p:cNvPr id="1" name=""/>
+        <p:cNvGrpSpPr/>
+        <p:nvPr/>
+      </p:nvGrpSpPr>
+      <p:grpSpPr>
+        <a:xfrm>
+          <a:off x="0" y="0"/>
+          <a:ext cx="0" cy="0"/>
+          <a:chOff x="0" y="0"/>
+          <a:chExt cx="0" cy="0"/>
+        </a:xfrm>
+      </p:grpSpPr>
+      <p:sp>
+        <p:nvSpPr>
           <p:cNvPr id="6" name="Content Placeholder 5"/>
           <p:cNvSpPr>
             <a:spLocks noGrp="1"/>
@@ -5554,7 +5753,12 @@
             <p:ph idx="1"/>
           </p:nvPr>
         </p:nvSpPr>
-        <p:spPr/>
+        <p:spPr>
+          <a:xfrm>
+            <a:off x="652457" y="2521545"/>
+            <a:ext cx="10554574" cy="3636511"/>
+          </a:xfrm>
+        </p:spPr>
         <p:txBody>
           <a:bodyPr>
             <a:normAutofit/>
@@ -5581,6 +5785,13 @@
   <p:clrMapOvr>
     <a:masterClrMapping/>
   </p:clrMapOvr>
+  <p:timing>
+    <p:tnLst>
+      <p:par>
+        <p:cTn id="1" dur="indefinite" restart="never" nodeType="tmRoot"/>
+      </p:par>
+    </p:tnLst>
+  </p:timing>
 </p:sld>
 </file>
 
@@ -5695,10 +5906,96 @@
   <p:clrMapOvr>
     <a:masterClrMapping/>
   </p:clrMapOvr>
+  <p:timing>
+    <p:tnLst>
+      <p:par>
+        <p:cTn id="1" dur="indefinite" restart="never" nodeType="tmRoot"/>
+      </p:par>
+    </p:tnLst>
+  </p:timing>
 </p:sld>
 </file>
 
 <file path=ppt/slides/slide3.xml><?xml version="1.0" encoding="utf-8"?>
+<p:sld xmlns:a="http://schemas.openxmlformats.org/drawingml/2006/main" xmlns:r="http://schemas.openxmlformats.org/officeDocument/2006/relationships" xmlns:p="http://schemas.openxmlformats.org/presentationml/2006/main">
+  <p:cSld>
+    <p:spTree>
+      <p:nvGrpSpPr>
+        <p:cNvPr id="1" name=""/>
+        <p:cNvGrpSpPr/>
+        <p:nvPr/>
+      </p:nvGrpSpPr>
+      <p:grpSpPr>
+        <a:xfrm>
+          <a:off x="0" y="0"/>
+          <a:ext cx="0" cy="0"/>
+          <a:chOff x="0" y="0"/>
+          <a:chExt cx="0" cy="0"/>
+        </a:xfrm>
+      </p:grpSpPr>
+      <p:sp>
+        <p:nvSpPr>
+          <p:cNvPr id="2" name="Title 1"/>
+          <p:cNvSpPr>
+            <a:spLocks noGrp="1"/>
+          </p:cNvSpPr>
+          <p:nvPr>
+            <p:ph type="title"/>
+          </p:nvPr>
+        </p:nvSpPr>
+        <p:spPr/>
+        <p:txBody>
+          <a:bodyPr/>
+          <a:lstStyle/>
+          <a:p>
+            <a:r>
+              <a:rPr lang="en-US" dirty="0" smtClean="0"/>
+              <a:t>Demo</a:t>
+            </a:r>
+            <a:endParaRPr lang="en-US" dirty="0"/>
+          </a:p>
+        </p:txBody>
+      </p:sp>
+      <p:sp>
+        <p:nvSpPr>
+          <p:cNvPr id="3" name="Content Placeholder 2"/>
+          <p:cNvSpPr>
+            <a:spLocks noGrp="1"/>
+          </p:cNvSpPr>
+          <p:nvPr>
+            <p:ph idx="1"/>
+          </p:nvPr>
+        </p:nvSpPr>
+        <p:spPr/>
+        <p:txBody>
+          <a:bodyPr/>
+          <a:lstStyle/>
+          <a:p>
+            <a:endParaRPr lang="en-US" dirty="0"/>
+          </a:p>
+        </p:txBody>
+      </p:sp>
+    </p:spTree>
+    <p:extLst>
+      <p:ext uri="{BB962C8B-B14F-4D97-AF65-F5344CB8AC3E}">
+        <p14:creationId xmlns:p14="http://schemas.microsoft.com/office/powerpoint/2010/main" val="1743777860"/>
+      </p:ext>
+    </p:extLst>
+  </p:cSld>
+  <p:clrMapOvr>
+    <a:masterClrMapping/>
+  </p:clrMapOvr>
+  <p:timing>
+    <p:tnLst>
+      <p:par>
+        <p:cTn id="1" dur="indefinite" restart="never" nodeType="tmRoot"/>
+      </p:par>
+    </p:tnLst>
+  </p:timing>
+</p:sld>
+</file>
+
+<file path=ppt/slides/slide4.xml><?xml version="1.0" encoding="utf-8"?>
 <p:sld xmlns:a="http://schemas.openxmlformats.org/drawingml/2006/main" xmlns:r="http://schemas.openxmlformats.org/officeDocument/2006/relationships" xmlns:p="http://schemas.openxmlformats.org/presentationml/2006/main">
   <p:cSld>
     <p:spTree>
@@ -5867,7 +6164,7 @@
 </p:sld>
 </file>
 
-<file path=ppt/slides/slide4.xml><?xml version="1.0" encoding="utf-8"?>
+<file path=ppt/slides/slide5.xml><?xml version="1.0" encoding="utf-8"?>
 <p:sld xmlns:a="http://schemas.openxmlformats.org/drawingml/2006/main" xmlns:r="http://schemas.openxmlformats.org/officeDocument/2006/relationships" xmlns:p="http://schemas.openxmlformats.org/presentationml/2006/main">
   <p:cSld>
     <p:spTree>
@@ -5940,7 +6237,15 @@
             </a:r>
             <a:r>
               <a:rPr lang="en" dirty="0"/>
-              <a:t> Reads the content of the selected text from the page, with the help of Chrome APIs.</a:t>
+              <a:t> Reads the content of the selected text from the </a:t>
+            </a:r>
+            <a:r>
+              <a:rPr lang="en" dirty="0" smtClean="0"/>
+              <a:t>current webpage</a:t>
+            </a:r>
+            <a:r>
+              <a:rPr lang="en" dirty="0"/>
+              <a:t/>
             </a:r>
             <a:br>
               <a:rPr lang="en" dirty="0"/>
@@ -5957,8 +6262,13 @@
             </a:r>
             <a:r>
               <a:rPr lang="en" dirty="0"/>
-              <a:t> Identifies the domain or topic from the content with the help of Machine Learning APIs. These topics will help us extract content from web.</a:t>
-            </a:r>
+              <a:t> Identifies the domain or topic from the content with the help of Machine Learning </a:t>
+            </a:r>
+            <a:r>
+              <a:rPr lang="en" dirty="0" smtClean="0"/>
+              <a:t>APIs.</a:t>
+            </a:r>
+            <a:endParaRPr lang="en" dirty="0"/>
           </a:p>
           <a:p>
             <a:pPr marL="0" indent="0">
@@ -5976,11 +6286,25 @@
             </a:r>
             <a:r>
               <a:rPr lang="en" dirty="0"/>
-              <a:t> Once the topics have been identified, Smart LookUP fetches the relevant content available over the web with the help of Web Search APIs. Fetched content is then sorted based on the different parameters such as relevance, date etc.</a:t>
-            </a:r>
-            <a:br>
+              <a:t> </a:t>
+            </a:r>
+            <a:r>
+              <a:rPr lang="en" dirty="0" smtClean="0"/>
+              <a:t>Fetches </a:t>
+            </a:r>
+            <a:r>
               <a:rPr lang="en" dirty="0"/>
-            </a:br>
+              <a:t>the relevant content available over </a:t>
+            </a:r>
+            <a:r>
+              <a:rPr lang="en" dirty="0" smtClean="0"/>
+              <a:t>the internet.</a:t>
+            </a:r>
+          </a:p>
+          <a:p>
+            <a:pPr marL="0" indent="0">
+              <a:buNone/>
+            </a:pPr>
             <a:endParaRPr lang="en" dirty="0"/>
           </a:p>
           <a:p>
@@ -5989,12 +6313,33 @@
             </a:pPr>
             <a:r>
               <a:rPr lang="en" b="1" dirty="0"/>
-              <a:t>User Interface:</a:t>
+              <a:t>User Interface</a:t>
+            </a:r>
+            <a:r>
+              <a:rPr lang="en" b="1"/>
+              <a:t>:</a:t>
+            </a:r>
+            <a:r>
+              <a:rPr lang="en"/>
+              <a:t> </a:t>
+            </a:r>
+            <a:r>
+              <a:rPr lang="en" smtClean="0"/>
+              <a:t>Intiutive GUI </a:t>
             </a:r>
             <a:r>
               <a:rPr lang="en" dirty="0"/>
-              <a:t> GUI component of the Smart LookUP extensions displays the content in the same window as the web page in a pop-up.</a:t>
-            </a:r>
+              <a:t>component of the Smart </a:t>
+            </a:r>
+            <a:r>
+              <a:rPr lang="en"/>
+              <a:t>LookUP </a:t>
+            </a:r>
+            <a:r>
+              <a:rPr lang="en" smtClean="0"/>
+              <a:t>extension.</a:t>
+            </a:r>
+            <a:endParaRPr lang="en" dirty="0"/>
           </a:p>
         </p:txBody>
       </p:sp>
@@ -6018,138 +6363,6 @@
 </p:sld>
 </file>
 
-<file path=ppt/slides/slide5.xml><?xml version="1.0" encoding="utf-8"?>
-<p:sld xmlns:a="http://schemas.openxmlformats.org/drawingml/2006/main" xmlns:r="http://schemas.openxmlformats.org/officeDocument/2006/relationships" xmlns:p="http://schemas.openxmlformats.org/presentationml/2006/main">
-  <p:cSld>
-    <p:spTree>
-      <p:nvGrpSpPr>
-        <p:cNvPr id="1" name=""/>
-        <p:cNvGrpSpPr/>
-        <p:nvPr/>
-      </p:nvGrpSpPr>
-      <p:grpSpPr>
-        <a:xfrm>
-          <a:off x="0" y="0"/>
-          <a:ext cx="0" cy="0"/>
-          <a:chOff x="0" y="0"/>
-          <a:chExt cx="0" cy="0"/>
-        </a:xfrm>
-      </p:grpSpPr>
-      <p:sp>
-        <p:nvSpPr>
-          <p:cNvPr id="2" name="Title 1"/>
-          <p:cNvSpPr>
-            <a:spLocks noGrp="1"/>
-          </p:cNvSpPr>
-          <p:nvPr>
-            <p:ph type="title"/>
-          </p:nvPr>
-        </p:nvSpPr>
-        <p:spPr/>
-        <p:txBody>
-          <a:bodyPr/>
-          <a:lstStyle/>
-          <a:p>
-            <a:r>
-              <a:rPr lang="en-US" dirty="0">
-                <a:latin typeface="Josefin Sans" pitchFamily="2" charset="0"/>
-              </a:rPr>
-              <a:t>Key Features</a:t>
-            </a:r>
-          </a:p>
-        </p:txBody>
-      </p:sp>
-      <p:sp>
-        <p:nvSpPr>
-          <p:cNvPr id="3" name="Content Placeholder 2"/>
-          <p:cNvSpPr>
-            <a:spLocks noGrp="1"/>
-          </p:cNvSpPr>
-          <p:nvPr>
-            <p:ph idx="1"/>
-          </p:nvPr>
-        </p:nvSpPr>
-        <p:spPr>
-          <a:xfrm>
-            <a:off x="818712" y="2222287"/>
-            <a:ext cx="10554574" cy="4005518"/>
-          </a:xfrm>
-        </p:spPr>
-        <p:txBody>
-          <a:bodyPr>
-            <a:normAutofit/>
-          </a:bodyPr>
-          <a:lstStyle/>
-          <a:p>
-            <a:pPr marL="0" indent="0">
-              <a:buNone/>
-            </a:pPr>
-            <a:r>
-              <a:rPr lang="en" b="1" dirty="0"/>
-              <a:t>Platform Independent: </a:t>
-            </a:r>
-            <a:r>
-              <a:rPr lang="en" dirty="0"/>
-              <a:t>Smart LookUP can run on various devices with ease. Once deployed, it can be easily installed from the Chrome Web Store.</a:t>
-            </a:r>
-          </a:p>
-          <a:p>
-            <a:pPr marL="0" indent="0">
-              <a:buNone/>
-            </a:pPr>
-            <a:endParaRPr lang="en" b="1" dirty="0"/>
-          </a:p>
-          <a:p>
-            <a:pPr marL="0" indent="0">
-              <a:buNone/>
-            </a:pPr>
-            <a:r>
-              <a:rPr lang="en" b="1" dirty="0"/>
-              <a:t>Modularity:</a:t>
-            </a:r>
-            <a:r>
-              <a:rPr lang="en" dirty="0"/>
-              <a:t> Using REST APIs for communication among different component with JSON objects brings the modularity in our design and make the components independent of each other.</a:t>
-            </a:r>
-          </a:p>
-          <a:p>
-            <a:r>
-              <a:rPr lang="en" dirty="0"/>
-              <a:t>This helps us to customize the extension to different customers uniquely</a:t>
-            </a:r>
-            <a:br>
-              <a:rPr lang="en" dirty="0"/>
-            </a:br>
-            <a:endParaRPr lang="en" dirty="0"/>
-          </a:p>
-          <a:p>
-            <a:pPr marL="0" indent="0">
-              <a:buNone/>
-            </a:pPr>
-            <a:r>
-              <a:rPr lang="en-US" b="1" dirty="0"/>
-              <a:t>User Friendliness</a:t>
-            </a:r>
-            <a:r>
-              <a:rPr lang="en-US" dirty="0"/>
-              <a:t>: The UI is simple to use and intuitive. The user can enable or disable Smart LookUP easily. The user has no need to switch among multiple windows as relevant content from their favorite search engines are available to them in a ready to use manner. It increases user’s efficiency to research the web content and save the user’s time.</a:t>
-            </a:r>
-          </a:p>
-        </p:txBody>
-      </p:sp>
-    </p:spTree>
-    <p:extLst>
-      <p:ext uri="{BB962C8B-B14F-4D97-AF65-F5344CB8AC3E}">
-        <p14:creationId xmlns:p14="http://schemas.microsoft.com/office/powerpoint/2010/main" val="2060681380"/>
-      </p:ext>
-    </p:extLst>
-  </p:cSld>
-  <p:clrMapOvr>
-    <a:masterClrMapping/>
-  </p:clrMapOvr>
-</p:sld>
-</file>
-
 <file path=ppt/slides/slide6.xml><?xml version="1.0" encoding="utf-8"?>
 <p:sld xmlns:a="http://schemas.openxmlformats.org/drawingml/2006/main" xmlns:r="http://schemas.openxmlformats.org/officeDocument/2006/relationships" xmlns:p="http://schemas.openxmlformats.org/presentationml/2006/main">
   <p:cSld>
@@ -6186,72 +6399,106 @@
               <a:rPr lang="en-US" dirty="0">
                 <a:latin typeface="Josefin Sans" pitchFamily="2" charset="0"/>
               </a:rPr>
-              <a:t>Business Plan</a:t>
+              <a:t>Key Features</a:t>
+            </a:r>
+          </a:p>
+        </p:txBody>
+      </p:sp>
+      <p:sp>
+        <p:nvSpPr>
+          <p:cNvPr id="3" name="Content Placeholder 2"/>
+          <p:cNvSpPr>
+            <a:spLocks noGrp="1"/>
+          </p:cNvSpPr>
+          <p:nvPr>
+            <p:ph idx="1"/>
+          </p:nvPr>
+        </p:nvSpPr>
+        <p:spPr>
+          <a:xfrm>
+            <a:off x="818712" y="2222287"/>
+            <a:ext cx="10554574" cy="4005518"/>
+          </a:xfrm>
+        </p:spPr>
+        <p:txBody>
+          <a:bodyPr>
+            <a:normAutofit/>
+          </a:bodyPr>
+          <a:lstStyle/>
+          <a:p>
+            <a:pPr marL="0" indent="0">
+              <a:buNone/>
+            </a:pPr>
+            <a:r>
+              <a:rPr lang="en" b="1" dirty="0"/>
+              <a:t>Platform Independent: </a:t>
+            </a:r>
+            <a:r>
+              <a:rPr lang="en" dirty="0"/>
+              <a:t>Smart LookUP can run on various devices with ease. Once deployed, it can be easily installed from the Chrome Web Store.</a:t>
+            </a:r>
+          </a:p>
+          <a:p>
+            <a:pPr marL="0" indent="0">
+              <a:buNone/>
+            </a:pPr>
+            <a:endParaRPr lang="en" b="1" dirty="0"/>
+          </a:p>
+          <a:p>
+            <a:pPr marL="0" indent="0">
+              <a:buNone/>
+            </a:pPr>
+            <a:r>
+              <a:rPr lang="en" b="1" dirty="0"/>
+              <a:t>Modularity:</a:t>
+            </a:r>
+            <a:r>
+              <a:rPr lang="en" dirty="0"/>
+              <a:t> Using REST APIs for communication among different component with JSON objects brings the modularity in our design and make the components independent of each other.</a:t>
+            </a:r>
+          </a:p>
+          <a:p>
+            <a:r>
+              <a:rPr lang="en" dirty="0"/>
+              <a:t>This helps us to customize the extension to different customers uniquely</a:t>
             </a:r>
             <a:br>
-              <a:rPr lang="en-US" dirty="0">
-                <a:latin typeface="Josefin Sans" pitchFamily="2" charset="0"/>
-              </a:rPr>
+              <a:rPr lang="en" dirty="0"/>
             </a:br>
-            <a:r>
-              <a:rPr lang="en-US" sz="2000" dirty="0">
-                <a:latin typeface="Josefin Sans" pitchFamily="2" charset="0"/>
-              </a:rPr>
-              <a:t>Everyone of us is different !</a:t>
-            </a:r>
-            <a:endParaRPr lang="en-US" dirty="0">
-              <a:latin typeface="Josefin Sans" pitchFamily="2" charset="0"/>
-            </a:endParaRPr>
-          </a:p>
-        </p:txBody>
-      </p:sp>
-      <p:sp>
-        <p:nvSpPr>
-          <p:cNvPr id="3" name="Content Placeholder 2"/>
-          <p:cNvSpPr>
-            <a:spLocks noGrp="1"/>
-          </p:cNvSpPr>
-          <p:nvPr>
-            <p:ph idx="1"/>
-          </p:nvPr>
-        </p:nvSpPr>
-        <p:spPr/>
-        <p:txBody>
-          <a:bodyPr/>
-          <a:lstStyle/>
+            <a:endParaRPr lang="en" dirty="0"/>
+          </a:p>
           <a:p>
             <a:pPr marL="0" indent="0">
               <a:buNone/>
             </a:pPr>
             <a:r>
-              <a:rPr lang="en" dirty="0"/>
-              <a:t>Smart LookUP empowers users by providing relevant content from the web in real time. A user can use it to research the content of any page comprehensively, in the comfort of the same tab.</a:t>
-            </a:r>
-          </a:p>
-          <a:p>
-            <a:pPr marL="0" indent="0">
-              <a:buNone/>
-            </a:pPr>
-            <a:endParaRPr lang="en-US" dirty="0"/>
-          </a:p>
-          <a:p>
-            <a:pPr marL="0" indent="0">
-              <a:buNone/>
-            </a:pPr>
-            <a:endParaRPr lang="en-US" dirty="0"/>
+              <a:rPr lang="en-US" b="1" dirty="0"/>
+              <a:t>User Friendliness</a:t>
+            </a:r>
+            <a:r>
+              <a:rPr lang="en-US" dirty="0"/>
+              <a:t>: The UI is simple to use and intuitive. The user can enable or disable Smart LookUP easily. The user has no need to switch among multiple windows as relevant content from their favorite search engines are available to them in a ready to use manner. It increases user’s efficiency to research the web content and save the user’s time.</a:t>
+            </a:r>
           </a:p>
         </p:txBody>
       </p:sp>
     </p:spTree>
     <p:extLst>
       <p:ext uri="{BB962C8B-B14F-4D97-AF65-F5344CB8AC3E}">
-        <p14:creationId xmlns:p14="http://schemas.microsoft.com/office/powerpoint/2010/main" val="4232428070"/>
+        <p14:creationId xmlns:p14="http://schemas.microsoft.com/office/powerpoint/2010/main" val="2060681380"/>
       </p:ext>
     </p:extLst>
   </p:cSld>
   <p:clrMapOvr>
     <a:masterClrMapping/>
   </p:clrMapOvr>
+  <p:timing>
+    <p:tnLst>
+      <p:par>
+        <p:cTn id="1" dur="indefinite" restart="never" nodeType="tmRoot"/>
+      </p:par>
+    </p:tnLst>
+  </p:timing>
 </p:sld>
 </file>
 
@@ -6343,6 +6590,118 @@
             <a:pPr marL="0" indent="0">
               <a:buNone/>
             </a:pPr>
+            <a:endParaRPr lang="en-US" dirty="0"/>
+          </a:p>
+        </p:txBody>
+      </p:sp>
+    </p:spTree>
+    <p:extLst>
+      <p:ext uri="{BB962C8B-B14F-4D97-AF65-F5344CB8AC3E}">
+        <p14:creationId xmlns:p14="http://schemas.microsoft.com/office/powerpoint/2010/main" val="4232428070"/>
+      </p:ext>
+    </p:extLst>
+  </p:cSld>
+  <p:clrMapOvr>
+    <a:masterClrMapping/>
+  </p:clrMapOvr>
+  <p:timing>
+    <p:tnLst>
+      <p:par>
+        <p:cTn id="1" dur="indefinite" restart="never" nodeType="tmRoot"/>
+      </p:par>
+    </p:tnLst>
+  </p:timing>
+</p:sld>
+</file>
+
+<file path=ppt/slides/slide8.xml><?xml version="1.0" encoding="utf-8"?>
+<p:sld xmlns:a="http://schemas.openxmlformats.org/drawingml/2006/main" xmlns:r="http://schemas.openxmlformats.org/officeDocument/2006/relationships" xmlns:p="http://schemas.openxmlformats.org/presentationml/2006/main">
+  <p:cSld>
+    <p:spTree>
+      <p:nvGrpSpPr>
+        <p:cNvPr id="1" name=""/>
+        <p:cNvGrpSpPr/>
+        <p:nvPr/>
+      </p:nvGrpSpPr>
+      <p:grpSpPr>
+        <a:xfrm>
+          <a:off x="0" y="0"/>
+          <a:ext cx="0" cy="0"/>
+          <a:chOff x="0" y="0"/>
+          <a:chExt cx="0" cy="0"/>
+        </a:xfrm>
+      </p:grpSpPr>
+      <p:sp>
+        <p:nvSpPr>
+          <p:cNvPr id="2" name="Title 1"/>
+          <p:cNvSpPr>
+            <a:spLocks noGrp="1"/>
+          </p:cNvSpPr>
+          <p:nvPr>
+            <p:ph type="title"/>
+          </p:nvPr>
+        </p:nvSpPr>
+        <p:spPr/>
+        <p:txBody>
+          <a:bodyPr/>
+          <a:lstStyle/>
+          <a:p>
+            <a:r>
+              <a:rPr lang="en-US" dirty="0">
+                <a:latin typeface="Josefin Sans" pitchFamily="2" charset="0"/>
+              </a:rPr>
+              <a:t>Business Plan</a:t>
+            </a:r>
+            <a:br>
+              <a:rPr lang="en-US" dirty="0">
+                <a:latin typeface="Josefin Sans" pitchFamily="2" charset="0"/>
+              </a:rPr>
+            </a:br>
+            <a:r>
+              <a:rPr lang="en-US" sz="2000" dirty="0">
+                <a:latin typeface="Josefin Sans" pitchFamily="2" charset="0"/>
+              </a:rPr>
+              <a:t>Everyone of us is different !</a:t>
+            </a:r>
+            <a:endParaRPr lang="en-US" dirty="0">
+              <a:latin typeface="Josefin Sans" pitchFamily="2" charset="0"/>
+            </a:endParaRPr>
+          </a:p>
+        </p:txBody>
+      </p:sp>
+      <p:sp>
+        <p:nvSpPr>
+          <p:cNvPr id="3" name="Content Placeholder 2"/>
+          <p:cNvSpPr>
+            <a:spLocks noGrp="1"/>
+          </p:cNvSpPr>
+          <p:nvPr>
+            <p:ph idx="1"/>
+          </p:nvPr>
+        </p:nvSpPr>
+        <p:spPr/>
+        <p:txBody>
+          <a:bodyPr/>
+          <a:lstStyle/>
+          <a:p>
+            <a:pPr marL="0" indent="0">
+              <a:buNone/>
+            </a:pPr>
+            <a:r>
+              <a:rPr lang="en" dirty="0"/>
+              <a:t>Smart LookUP empowers users by providing relevant content from the web in real time. A user can use it to research the content of any page comprehensively, in the comfort of the same tab.</a:t>
+            </a:r>
+          </a:p>
+          <a:p>
+            <a:pPr marL="0" indent="0">
+              <a:buNone/>
+            </a:pPr>
+            <a:endParaRPr lang="en-US" dirty="0"/>
+          </a:p>
+          <a:p>
+            <a:pPr marL="0" indent="0">
+              <a:buNone/>
+            </a:pPr>
             <a:r>
               <a:rPr lang="en-US" dirty="0"/>
               <a:t>Different users have specific needs and care about different content.</a:t>
@@ -6360,10 +6719,17 @@
   <p:clrMapOvr>
     <a:masterClrMapping/>
   </p:clrMapOvr>
+  <p:timing>
+    <p:tnLst>
+      <p:par>
+        <p:cTn id="1" dur="indefinite" restart="never" nodeType="tmRoot"/>
+      </p:par>
+    </p:tnLst>
+  </p:timing>
 </p:sld>
 </file>
 
-<file path=ppt/slides/slide8.xml><?xml version="1.0" encoding="utf-8"?>
+<file path=ppt/slides/slide9.xml><?xml version="1.0" encoding="utf-8"?>
 <p:sld xmlns:a="http://schemas.openxmlformats.org/drawingml/2006/main" xmlns:r="http://schemas.openxmlformats.org/officeDocument/2006/relationships" xmlns:p="http://schemas.openxmlformats.org/presentationml/2006/main">
   <p:cSld>
     <p:spTree>
@@ -6598,190 +6964,13 @@
   <p:clrMapOvr>
     <a:masterClrMapping/>
   </p:clrMapOvr>
-</p:sld>
-</file>
-
-<file path=ppt/slides/slide9.xml><?xml version="1.0" encoding="utf-8"?>
-<p:sld xmlns:a="http://schemas.openxmlformats.org/drawingml/2006/main" xmlns:r="http://schemas.openxmlformats.org/officeDocument/2006/relationships" xmlns:p="http://schemas.openxmlformats.org/presentationml/2006/main">
-  <p:cSld>
-    <p:spTree>
-      <p:nvGrpSpPr>
-        <p:cNvPr id="1" name=""/>
-        <p:cNvGrpSpPr/>
-        <p:nvPr/>
-      </p:nvGrpSpPr>
-      <p:grpSpPr>
-        <a:xfrm>
-          <a:off x="0" y="0"/>
-          <a:ext cx="0" cy="0"/>
-          <a:chOff x="0" y="0"/>
-          <a:chExt cx="0" cy="0"/>
-        </a:xfrm>
-      </p:grpSpPr>
-      <p:sp>
-        <p:nvSpPr>
-          <p:cNvPr id="2" name="Title 1"/>
-          <p:cNvSpPr>
-            <a:spLocks noGrp="1"/>
-          </p:cNvSpPr>
-          <p:nvPr>
-            <p:ph type="title"/>
-          </p:nvPr>
-        </p:nvSpPr>
-        <p:spPr/>
-        <p:txBody>
-          <a:bodyPr/>
-          <a:lstStyle/>
-          <a:p>
-            <a:r>
-              <a:rPr lang="en-US" dirty="0">
-                <a:latin typeface="Josefin Sans" pitchFamily="2" charset="0"/>
-              </a:rPr>
-              <a:t>Business Plan</a:t>
-            </a:r>
-            <a:br>
-              <a:rPr lang="en-US" dirty="0">
-                <a:latin typeface="Josefin Sans" pitchFamily="2" charset="0"/>
-              </a:rPr>
-            </a:br>
-            <a:r>
-              <a:rPr lang="en-US" sz="2000" dirty="0">
-                <a:latin typeface="Josefin Sans" pitchFamily="2" charset="0"/>
-              </a:rPr>
-              <a:t>Monetization (paid version)</a:t>
-            </a:r>
-            <a:endParaRPr lang="en-US" dirty="0">
-              <a:latin typeface="Josefin Sans" pitchFamily="2" charset="0"/>
-            </a:endParaRPr>
-          </a:p>
-        </p:txBody>
-      </p:sp>
-      <p:sp>
-        <p:nvSpPr>
-          <p:cNvPr id="3" name="Content Placeholder 2"/>
-          <p:cNvSpPr>
-            <a:spLocks noGrp="1"/>
-          </p:cNvSpPr>
-          <p:nvPr>
-            <p:ph sz="half" idx="1"/>
-          </p:nvPr>
-        </p:nvSpPr>
-        <p:spPr>
-          <a:xfrm>
-            <a:off x="818712" y="2222287"/>
-            <a:ext cx="5470877" cy="3993162"/>
-          </a:xfrm>
-        </p:spPr>
-        <p:txBody>
-          <a:bodyPr>
-            <a:normAutofit lnSpcReduction="10000"/>
-          </a:bodyPr>
-          <a:lstStyle/>
-          <a:p>
-            <a:pPr marL="0" indent="0">
-              <a:buNone/>
-            </a:pPr>
-            <a:r>
-              <a:rPr lang="en-US" dirty="0">
-                <a:effectLst/>
-              </a:rPr>
-              <a:t>Currently only a few services are integrated into the extension.</a:t>
-            </a:r>
-          </a:p>
-          <a:p>
-            <a:pPr marL="0" indent="0">
-              <a:buNone/>
-            </a:pPr>
-            <a:r>
-              <a:rPr lang="en-US" dirty="0">
-                <a:effectLst/>
-              </a:rPr>
-              <a:t>Interested users will be able to customize their own version of Smart LookUP, based on their domain of study.</a:t>
-            </a:r>
-          </a:p>
-          <a:p>
-            <a:pPr marL="0" indent="0">
-              <a:buNone/>
-            </a:pPr>
-            <a:r>
-              <a:rPr lang="en-US" dirty="0">
-                <a:effectLst/>
-              </a:rPr>
-              <a:t>Someone in academia, can opt to choose google scholar search, while a different person in stock markets might be only interested in real time news.</a:t>
-            </a:r>
-          </a:p>
-          <a:p>
-            <a:pPr marL="0" indent="0">
-              <a:buNone/>
-            </a:pPr>
-            <a:r>
-              <a:rPr lang="en-US" dirty="0">
-                <a:effectLst/>
-              </a:rPr>
-              <a:t>As, individual third party services could be expensive, we can reduce the overhead by distributing the cost over multiple subscribed users.</a:t>
-            </a:r>
-          </a:p>
-        </p:txBody>
-      </p:sp>
-      <p:pic>
-        <p:nvPicPr>
-          <p:cNvPr id="5" name="Content Placeholder 4"/>
-          <p:cNvPicPr>
-            <a:picLocks noGrp="1" noChangeAspect="1"/>
-          </p:cNvPicPr>
-          <p:nvPr>
-            <p:ph sz="half" idx="2"/>
-          </p:nvPr>
-        </p:nvPicPr>
-        <p:blipFill>
-          <a:blip r:embed="rId2"/>
-          <a:stretch>
-            <a:fillRect/>
-          </a:stretch>
-        </p:blipFill>
-        <p:spPr>
-          <a:xfrm>
-            <a:off x="7208520" y="2222500"/>
-            <a:ext cx="3153409" cy="3638550"/>
-          </a:xfrm>
-        </p:spPr>
-      </p:pic>
-      <p:sp>
-        <p:nvSpPr>
-          <p:cNvPr id="17" name="TextBox 16"/>
-          <p:cNvSpPr txBox="1"/>
-          <p:nvPr/>
-        </p:nvSpPr>
-        <p:spPr>
-          <a:xfrm flipH="1">
-            <a:off x="4049856" y="4563633"/>
-            <a:ext cx="4019654" cy="1544552"/>
-          </a:xfrm>
-          <a:prstGeom prst="rect">
-            <a:avLst/>
-          </a:prstGeom>
-          <a:noFill/>
-        </p:spPr>
-        <p:txBody>
-          <a:bodyPr wrap="square" rtlCol="0">
-            <a:spAutoFit/>
-          </a:bodyPr>
-          <a:lstStyle/>
-          <a:p>
-            <a:endParaRPr lang="en-US" dirty="0"/>
-          </a:p>
-        </p:txBody>
-      </p:sp>
-    </p:spTree>
-    <p:extLst>
-      <p:ext uri="{BB962C8B-B14F-4D97-AF65-F5344CB8AC3E}">
-        <p14:creationId xmlns:p14="http://schemas.microsoft.com/office/powerpoint/2010/main" val="890153283"/>
-      </p:ext>
-    </p:extLst>
-  </p:cSld>
-  <p:clrMapOvr>
-    <a:masterClrMapping/>
-  </p:clrMapOvr>
+  <p:timing>
+    <p:tnLst>
+      <p:par>
+        <p:cTn id="1" dur="indefinite" restart="never" nodeType="tmRoot"/>
+      </p:par>
+    </p:tnLst>
+  </p:timing>
 </p:sld>
 </file>
 

--- a/Documents/Smart LookUP.pptx
+++ b/Documents/Smart LookUP.pptx
@@ -12,9 +12,9 @@
     <p:sldId id="259" r:id="rId6"/>
     <p:sldId id="261" r:id="rId7"/>
     <p:sldId id="263" r:id="rId8"/>
-    <p:sldId id="264" r:id="rId9"/>
-    <p:sldId id="265" r:id="rId10"/>
-    <p:sldId id="267" r:id="rId11"/>
+    <p:sldId id="265" r:id="rId9"/>
+    <p:sldId id="267" r:id="rId10"/>
+    <p:sldId id="270" r:id="rId11"/>
     <p:sldId id="266" r:id="rId12"/>
   </p:sldIdLst>
   <p:sldSz cx="12192000" cy="6858000"/>
@@ -5446,37 +5446,57 @@
           <a:lstStyle/>
           <a:p>
             <a:r>
-              <a:rPr lang="en-US" b="0" dirty="0">
+              <a:rPr lang="en-US" sz="6600" b="0" dirty="0">
+                <a:solidFill>
+                  <a:schemeClr val="bg1"/>
+                </a:solidFill>
                 <a:ea typeface="Segoe UI Emoji" panose="020B0502040204020203" pitchFamily="34" charset="0"/>
               </a:rPr>
-              <a:t>Smart LookUP</a:t>
-            </a:r>
-          </a:p>
-        </p:txBody>
-      </p:sp>
-      <p:sp>
-        <p:nvSpPr>
-          <p:cNvPr id="3" name="Subtitle 2"/>
-          <p:cNvSpPr>
-            <a:spLocks noGrp="1"/>
-          </p:cNvSpPr>
-          <p:nvPr>
-            <p:ph type="subTitle" idx="1"/>
-          </p:nvPr>
-        </p:nvSpPr>
-        <p:spPr/>
-        <p:txBody>
-          <a:bodyPr/>
-          <a:lstStyle/>
-          <a:p>
-            <a:r>
-              <a:rPr lang="en-US" i="1" dirty="0">
-                <a:effectLst/>
+              <a:t>Smart </a:t>
+            </a:r>
+            <a:r>
+              <a:rPr lang="en-US" sz="6600" b="0" dirty="0" err="1" smtClean="0">
+                <a:solidFill>
+                  <a:schemeClr val="bg1"/>
+                </a:solidFill>
+                <a:ea typeface="Segoe UI Emoji" panose="020B0502040204020203" pitchFamily="34" charset="0"/>
+              </a:rPr>
+              <a:t>LookUP</a:t>
+            </a:r>
+            <a:r>
+              <a:rPr lang="en-US" sz="6600" b="0" dirty="0" smtClean="0">
+                <a:solidFill>
+                  <a:schemeClr val="bg1"/>
+                </a:solidFill>
+                <a:ea typeface="Segoe UI Emoji" panose="020B0502040204020203" pitchFamily="34" charset="0"/>
+              </a:rPr>
+              <a:t/>
+            </a:r>
+            <a:br>
+              <a:rPr lang="en-US" sz="6600" b="0" dirty="0" smtClean="0">
+                <a:solidFill>
+                  <a:schemeClr val="bg1"/>
+                </a:solidFill>
+                <a:ea typeface="Segoe UI Emoji" panose="020B0502040204020203" pitchFamily="34" charset="0"/>
+              </a:rPr>
+            </a:br>
+            <a:r>
+              <a:rPr lang="en-US" sz="2800" i="1" dirty="0">
+                <a:solidFill>
+                  <a:schemeClr val="bg1"/>
+                </a:solidFill>
               </a:rPr>
               <a:t>We give you the insights, You build the story !</a:t>
             </a:r>
-            <a:endParaRPr lang="en-US" dirty="0">
-              <a:effectLst/>
+            <a:r>
+              <a:rPr lang="en-US" sz="2800" dirty="0"/>
+              <a:t/>
+            </a:r>
+            <a:br>
+              <a:rPr lang="en-US" sz="2800" dirty="0"/>
+            </a:br>
+            <a:endParaRPr lang="en-US" sz="2800" b="0" dirty="0">
+              <a:ea typeface="Segoe UI Emoji" panose="020B0502040204020203" pitchFamily="34" charset="0"/>
             </a:endParaRPr>
           </a:p>
         </p:txBody>
@@ -5489,8 +5509,8 @@
         </p:nvSpPr>
         <p:spPr>
           <a:xfrm>
-            <a:off x="810001" y="5964701"/>
-            <a:ext cx="10572000" cy="369332"/>
+            <a:off x="751812" y="5524126"/>
+            <a:ext cx="10572000" cy="461665"/>
           </a:xfrm>
           <a:prstGeom prst="rect">
             <a:avLst/>
@@ -5504,14 +5524,14 @@
           <a:lstStyle/>
           <a:p>
             <a:r>
-              <a:rPr lang="en-US" dirty="0"/>
+              <a:rPr lang="en-US" sz="2400" dirty="0"/>
               <a:t>Manikanta Reddy, Pranshu Gupta, Sumit </a:t>
             </a:r>
             <a:r>
-              <a:rPr lang="en-US" dirty="0" err="1"/>
+              <a:rPr lang="en-US" sz="2400" dirty="0" err="1"/>
               <a:t>Kalra</a:t>
             </a:r>
-            <a:endParaRPr lang="en-US" dirty="0"/>
+            <a:endParaRPr lang="en-US" sz="2400" dirty="0"/>
           </a:p>
         </p:txBody>
       </p:sp>
@@ -5571,7 +5591,19 @@
               <a:rPr lang="en-US" dirty="0">
                 <a:latin typeface="Josefin Sans" pitchFamily="2" charset="0"/>
               </a:rPr>
-              <a:t>Business Plan</a:t>
+              <a:t>Business </a:t>
+            </a:r>
+            <a:r>
+              <a:rPr lang="en-US" dirty="0" smtClean="0">
+                <a:latin typeface="Josefin Sans" pitchFamily="2" charset="0"/>
+              </a:rPr>
+              <a:t>Plan: Cost Effectiveness</a:t>
+            </a:r>
+            <a:r>
+              <a:rPr lang="en-US" dirty="0">
+                <a:latin typeface="Josefin Sans" pitchFamily="2" charset="0"/>
+              </a:rPr>
+              <a:t/>
             </a:r>
             <a:br>
               <a:rPr lang="en-US" dirty="0">
@@ -5582,7 +5614,13 @@
               <a:rPr lang="en-US" sz="2000" dirty="0">
                 <a:latin typeface="Josefin Sans" pitchFamily="2" charset="0"/>
               </a:rPr>
-              <a:t>Monetization (paid version)</a:t>
+              <a:t>Monetization (paid version</a:t>
+            </a:r>
+            <a:r>
+              <a:rPr lang="en-US" sz="2000" dirty="0" smtClean="0">
+                <a:latin typeface="Josefin Sans" pitchFamily="2" charset="0"/>
+              </a:rPr>
+              <a:t>)</a:t>
             </a:r>
             <a:endParaRPr lang="en-US" dirty="0">
               <a:latin typeface="Josefin Sans" pitchFamily="2" charset="0"/>
@@ -5602,13 +5640,13 @@
         </p:nvSpPr>
         <p:spPr>
           <a:xfrm>
-            <a:off x="818712" y="2222287"/>
-            <a:ext cx="5470877" cy="3993162"/>
+            <a:off x="818712" y="2222286"/>
+            <a:ext cx="7568830" cy="4427895"/>
           </a:xfrm>
         </p:spPr>
         <p:txBody>
           <a:bodyPr>
-            <a:normAutofit lnSpcReduction="10000"/>
+            <a:normAutofit/>
           </a:bodyPr>
           <a:lstStyle/>
           <a:p>
@@ -5616,44 +5654,111 @@
               <a:buNone/>
             </a:pPr>
             <a:r>
-              <a:rPr lang="en-US" dirty="0">
+              <a:rPr lang="en-US" sz="2800" dirty="0" smtClean="0"/>
+              <a:t>I</a:t>
+            </a:r>
+            <a:r>
+              <a:rPr lang="en-US" sz="2800" dirty="0" smtClean="0">
                 <a:effectLst/>
               </a:rPr>
-              <a:t>Currently only a few services are integrated into the extension.</a:t>
-            </a:r>
-          </a:p>
-          <a:p>
-            <a:pPr marL="0" indent="0">
-              <a:buNone/>
-            </a:pPr>
-            <a:r>
-              <a:rPr lang="en-US" dirty="0">
+              <a:t>ndividual 3</a:t>
+            </a:r>
+            <a:r>
+              <a:rPr lang="en-US" sz="2800" baseline="30000" dirty="0" smtClean="0">
                 <a:effectLst/>
               </a:rPr>
-              <a:t>Interested users will be able to customize their own version of Smart LookUP, based on their domain of study.</a:t>
-            </a:r>
-          </a:p>
-          <a:p>
-            <a:pPr marL="0" indent="0">
-              <a:buNone/>
-            </a:pPr>
-            <a:r>
-              <a:rPr lang="en-US" dirty="0">
+              <a:t>rd</a:t>
+            </a:r>
+            <a:r>
+              <a:rPr lang="en-US" sz="2800" dirty="0" smtClean="0">
                 <a:effectLst/>
               </a:rPr>
-              <a:t>Someone in academia, can opt to choose google scholar search, while a different person in stock markets might be only interested in real time news.</a:t>
-            </a:r>
-          </a:p>
-          <a:p>
-            <a:pPr marL="0" indent="0">
-              <a:buNone/>
-            </a:pPr>
-            <a:r>
-              <a:rPr lang="en-US" dirty="0">
+              <a:t> party </a:t>
+            </a:r>
+            <a:r>
+              <a:rPr lang="en-US" sz="2800" dirty="0">
                 <a:effectLst/>
               </a:rPr>
-              <a:t>As, individual third party services could be expensive, we can reduce the overhead by distributing the cost over multiple subscribed users.</a:t>
-            </a:r>
+              <a:t>services </a:t>
+            </a:r>
+            <a:r>
+              <a:rPr lang="en-US" sz="2800" dirty="0" smtClean="0">
+                <a:effectLst/>
+              </a:rPr>
+              <a:t>are expensive</a:t>
+            </a:r>
+          </a:p>
+          <a:p>
+            <a:pPr marL="0" indent="0">
+              <a:buNone/>
+            </a:pPr>
+            <a:endParaRPr lang="en-US" sz="2800" dirty="0" smtClean="0">
+              <a:effectLst/>
+            </a:endParaRPr>
+          </a:p>
+          <a:p>
+            <a:pPr marL="0" indent="0">
+              <a:buNone/>
+            </a:pPr>
+            <a:r>
+              <a:rPr lang="en-US" sz="2800" dirty="0"/>
+              <a:t>W</a:t>
+            </a:r>
+            <a:r>
+              <a:rPr lang="en-US" sz="2800" dirty="0" smtClean="0">
+                <a:effectLst/>
+              </a:rPr>
+              <a:t>e reduce this </a:t>
+            </a:r>
+            <a:r>
+              <a:rPr lang="en-US" sz="2800" dirty="0">
+                <a:effectLst/>
+              </a:rPr>
+              <a:t>overhead by distributing the cost over multiple subscribed users</a:t>
+            </a:r>
+            <a:r>
+              <a:rPr lang="en-US" sz="2800" dirty="0" smtClean="0">
+                <a:effectLst/>
+              </a:rPr>
+              <a:t>.</a:t>
+            </a:r>
+          </a:p>
+          <a:p>
+            <a:pPr marL="0" indent="0">
+              <a:buNone/>
+            </a:pPr>
+            <a:endParaRPr lang="en-US" sz="2800" dirty="0"/>
+          </a:p>
+          <a:p>
+            <a:pPr marL="0" indent="0">
+              <a:buNone/>
+            </a:pPr>
+            <a:r>
+              <a:rPr lang="en-US" sz="2800" b="1" dirty="0" smtClean="0">
+                <a:effectLst/>
+              </a:rPr>
+              <a:t>Pay-as-you-go:</a:t>
+            </a:r>
+            <a:r>
+              <a:rPr lang="en-US" sz="2800" dirty="0" smtClean="0">
+                <a:effectLst/>
+              </a:rPr>
+              <a:t> </a:t>
+            </a:r>
+            <a:br>
+              <a:rPr lang="en-US" sz="2800" dirty="0" smtClean="0">
+                <a:effectLst/>
+              </a:rPr>
+            </a:br>
+            <a:r>
+              <a:rPr lang="en-US" sz="2800" dirty="0" smtClean="0">
+                <a:effectLst/>
+              </a:rPr>
+              <a:t>Charge the User only for the services they use</a:t>
+            </a:r>
+            <a:endParaRPr lang="en-US" sz="2800" dirty="0">
+              <a:effectLst/>
+            </a:endParaRPr>
           </a:p>
         </p:txBody>
       </p:sp>
@@ -5675,41 +5780,15 @@
         </p:blipFill>
         <p:spPr>
           <a:xfrm>
-            <a:off x="7208520" y="2222500"/>
+            <a:off x="8704812" y="2505134"/>
             <a:ext cx="3153409" cy="3638550"/>
           </a:xfrm>
         </p:spPr>
       </p:pic>
-      <p:sp>
-        <p:nvSpPr>
-          <p:cNvPr id="17" name="TextBox 16"/>
-          <p:cNvSpPr txBox="1"/>
-          <p:nvPr/>
-        </p:nvSpPr>
-        <p:spPr>
-          <a:xfrm flipH="1">
-            <a:off x="4049856" y="4563633"/>
-            <a:ext cx="4019654" cy="1544552"/>
-          </a:xfrm>
-          <a:prstGeom prst="rect">
-            <a:avLst/>
-          </a:prstGeom>
-          <a:noFill/>
-        </p:spPr>
-        <p:txBody>
-          <a:bodyPr wrap="square" rtlCol="0">
-            <a:spAutoFit/>
-          </a:bodyPr>
-          <a:lstStyle/>
-          <a:p>
-            <a:endParaRPr lang="en-US" dirty="0"/>
-          </a:p>
-        </p:txBody>
-      </p:sp>
     </p:spTree>
     <p:extLst>
       <p:ext uri="{BB962C8B-B14F-4D97-AF65-F5344CB8AC3E}">
-        <p14:creationId xmlns:p14="http://schemas.microsoft.com/office/powerpoint/2010/main" val="890153283"/>
+        <p14:creationId xmlns:p14="http://schemas.microsoft.com/office/powerpoint/2010/main" val="3778198270"/>
       </p:ext>
     </p:extLst>
   </p:cSld>
@@ -5846,7 +5925,9 @@
         </p:nvSpPr>
         <p:spPr/>
         <p:txBody>
-          <a:bodyPr/>
+          <a:bodyPr>
+            <a:normAutofit/>
+          </a:bodyPr>
           <a:lstStyle/>
           <a:p>
             <a:pPr lvl="0">
@@ -5856,8 +5937,16 @@
               <a:buNone/>
             </a:pPr>
             <a:r>
-              <a:rPr lang="en" dirty="0"/>
-              <a:t>Smart LookUP provides you with a new way to interact with your content.</a:t>
+              <a:rPr lang="en" sz="2800" dirty="0"/>
+              <a:t>Smart LookUP provides you with a new way to interact </a:t>
+            </a:r>
+            <a:r>
+              <a:rPr lang="en" sz="2800" dirty="0" smtClean="0"/>
+              <a:t>with your </a:t>
+            </a:r>
+            <a:r>
+              <a:rPr lang="en" sz="2800" dirty="0"/>
+              <a:t>content.</a:t>
             </a:r>
           </a:p>
           <a:p>
@@ -5867,7 +5956,7 @@
               </a:spcBef>
               <a:buNone/>
             </a:pPr>
-            <a:endParaRPr lang="en" dirty="0"/>
+            <a:endParaRPr lang="en" sz="2800" dirty="0"/>
           </a:p>
           <a:p>
             <a:pPr lvl="0">
@@ -5877,22 +5966,18 @@
               <a:buNone/>
             </a:pPr>
             <a:r>
-              <a:rPr lang="en" dirty="0"/>
+              <a:rPr lang="en" sz="2800" dirty="0"/>
               <a:t>It generates relevant information about the content you are viewing within </a:t>
             </a:r>
-          </a:p>
-          <a:p>
-            <a:pPr lvl="0">
-              <a:spcBef>
-                <a:spcPts val="0"/>
-              </a:spcBef>
-              <a:buNone/>
-            </a:pPr>
-            <a:r>
-              <a:rPr lang="en" dirty="0"/>
-              <a:t>Google Chrome, easing your researching tasks.</a:t>
-            </a:r>
-            <a:endParaRPr lang="en-US" dirty="0"/>
+            <a:r>
+              <a:rPr lang="en" sz="2800" dirty="0" smtClean="0"/>
+              <a:t>Google </a:t>
+            </a:r>
+            <a:r>
+              <a:rPr lang="en" sz="2800" dirty="0"/>
+              <a:t>Chrome, easing your researching tasks.</a:t>
+            </a:r>
+            <a:endParaRPr lang="en-US" sz="2800" dirty="0"/>
           </a:p>
         </p:txBody>
       </p:sp>
@@ -6048,7 +6133,9 @@
         </p:nvSpPr>
         <p:spPr/>
         <p:txBody>
-          <a:bodyPr/>
+          <a:bodyPr>
+            <a:normAutofit/>
+          </a:bodyPr>
           <a:lstStyle/>
           <a:p>
             <a:pPr lvl="0">
@@ -6058,9 +6145,23 @@
               <a:buNone/>
             </a:pPr>
             <a:r>
-              <a:rPr lang="en" dirty="0"/>
-              <a:t>Smart LookUP has four major components</a:t>
-            </a:r>
+              <a:rPr lang="en" sz="2800" dirty="0"/>
+              <a:t>Smart LookUP has four </a:t>
+            </a:r>
+            <a:endParaRPr lang="en" sz="2800" dirty="0" smtClean="0"/>
+          </a:p>
+          <a:p>
+            <a:pPr lvl="0">
+              <a:spcBef>
+                <a:spcPts val="0"/>
+              </a:spcBef>
+              <a:buNone/>
+            </a:pPr>
+            <a:r>
+              <a:rPr lang="en" sz="2800" dirty="0" smtClean="0"/>
+              <a:t>major components</a:t>
+            </a:r>
+            <a:endParaRPr lang="en" sz="2800" dirty="0"/>
           </a:p>
           <a:p>
             <a:pPr marL="457200" lvl="0" indent="-228600">
@@ -6070,7 +6171,7 @@
               <a:buAutoNum type="arabicPeriod"/>
             </a:pPr>
             <a:r>
-              <a:rPr lang="en" dirty="0"/>
+              <a:rPr lang="en" sz="2800" dirty="0"/>
               <a:t>Content Reader</a:t>
             </a:r>
           </a:p>
@@ -6082,7 +6183,7 @@
               <a:buAutoNum type="arabicPeriod"/>
             </a:pPr>
             <a:r>
-              <a:rPr lang="en" dirty="0"/>
+              <a:rPr lang="en" sz="2800" dirty="0"/>
               <a:t>Topic Identifier</a:t>
             </a:r>
           </a:p>
@@ -6094,7 +6195,7 @@
               <a:buAutoNum type="arabicPeriod"/>
             </a:pPr>
             <a:r>
-              <a:rPr lang="en" dirty="0"/>
+              <a:rPr lang="en" sz="2800" dirty="0"/>
               <a:t>Insight Collector</a:t>
             </a:r>
           </a:p>
@@ -6106,10 +6207,10 @@
               <a:buAutoNum type="arabicPeriod"/>
             </a:pPr>
             <a:r>
-              <a:rPr lang="en" dirty="0"/>
+              <a:rPr lang="en" sz="2800" dirty="0"/>
               <a:t>User Interface</a:t>
             </a:r>
-            <a:endParaRPr lang="en-US" dirty="0"/>
+            <a:endParaRPr lang="en-US" sz="2800" dirty="0"/>
           </a:p>
         </p:txBody>
       </p:sp>
@@ -6224,7 +6325,7 @@
         </p:spPr>
         <p:txBody>
           <a:bodyPr>
-            <a:normAutofit/>
+            <a:noAutofit/>
           </a:bodyPr>
           <a:lstStyle/>
           <a:p>
@@ -6232,72 +6333,72 @@
               <a:buNone/>
             </a:pPr>
             <a:r>
-              <a:rPr lang="en" b="1" dirty="0"/>
+              <a:rPr lang="en" sz="2200" b="1" dirty="0"/>
               <a:t>Content Reader:</a:t>
             </a:r>
             <a:r>
-              <a:rPr lang="en" dirty="0"/>
+              <a:rPr lang="en" sz="2200" dirty="0"/>
               <a:t> Reads the content of the selected text from the </a:t>
             </a:r>
             <a:r>
-              <a:rPr lang="en" dirty="0" smtClean="0"/>
+              <a:rPr lang="en" sz="2200" dirty="0" smtClean="0"/>
               <a:t>current webpage</a:t>
             </a:r>
             <a:r>
-              <a:rPr lang="en" dirty="0"/>
+              <a:rPr lang="en" sz="2200" dirty="0"/>
               <a:t/>
             </a:r>
             <a:br>
-              <a:rPr lang="en" dirty="0"/>
+              <a:rPr lang="en" sz="2200" dirty="0"/>
             </a:br>
-            <a:endParaRPr lang="en" dirty="0"/>
+            <a:endParaRPr lang="en" sz="2200" dirty="0"/>
           </a:p>
           <a:p>
             <a:pPr marL="0" indent="0">
               <a:buNone/>
             </a:pPr>
             <a:r>
-              <a:rPr lang="en" b="1" dirty="0"/>
+              <a:rPr lang="en" sz="2200" b="1" dirty="0"/>
               <a:t>Topic Identifier:</a:t>
             </a:r>
             <a:r>
-              <a:rPr lang="en" dirty="0"/>
+              <a:rPr lang="en" sz="2200" dirty="0"/>
               <a:t> Identifies the domain or topic from the content with the help of Machine Learning </a:t>
             </a:r>
             <a:r>
-              <a:rPr lang="en" dirty="0" smtClean="0"/>
+              <a:rPr lang="en" sz="2200" dirty="0" smtClean="0"/>
               <a:t>APIs.</a:t>
             </a:r>
-            <a:endParaRPr lang="en" dirty="0"/>
+            <a:endParaRPr lang="en" sz="2200" dirty="0"/>
           </a:p>
           <a:p>
             <a:pPr marL="0" indent="0">
               <a:buNone/>
             </a:pPr>
-            <a:endParaRPr lang="en" dirty="0"/>
+            <a:endParaRPr lang="en" sz="2200" dirty="0"/>
           </a:p>
           <a:p>
             <a:pPr marL="0" indent="0">
               <a:buNone/>
             </a:pPr>
             <a:r>
-              <a:rPr lang="en" b="1" dirty="0"/>
+              <a:rPr lang="en" sz="2200" b="1" dirty="0"/>
               <a:t>Insight Collector:</a:t>
             </a:r>
             <a:r>
-              <a:rPr lang="en" dirty="0"/>
+              <a:rPr lang="en" sz="2200" dirty="0"/>
               <a:t> </a:t>
             </a:r>
             <a:r>
-              <a:rPr lang="en" dirty="0" smtClean="0"/>
+              <a:rPr lang="en" sz="2200" dirty="0" smtClean="0"/>
               <a:t>Fetches </a:t>
             </a:r>
             <a:r>
-              <a:rPr lang="en" dirty="0"/>
+              <a:rPr lang="en" sz="2200" dirty="0"/>
               <a:t>the relevant content available over </a:t>
             </a:r>
             <a:r>
-              <a:rPr lang="en" dirty="0" smtClean="0"/>
+              <a:rPr lang="en" sz="2200" dirty="0" smtClean="0"/>
               <a:t>the internet.</a:t>
             </a:r>
           </a:p>
@@ -6305,41 +6406,33 @@
             <a:pPr marL="0" indent="0">
               <a:buNone/>
             </a:pPr>
-            <a:endParaRPr lang="en" dirty="0"/>
+            <a:endParaRPr lang="en" sz="2200" dirty="0"/>
           </a:p>
           <a:p>
             <a:pPr marL="0" indent="0">
               <a:buNone/>
             </a:pPr>
             <a:r>
-              <a:rPr lang="en" b="1" dirty="0"/>
-              <a:t>User Interface</a:t>
-            </a:r>
-            <a:r>
-              <a:rPr lang="en" b="1"/>
-              <a:t>:</a:t>
-            </a:r>
-            <a:r>
-              <a:rPr lang="en"/>
+              <a:rPr lang="en" sz="2200" b="1" dirty="0"/>
+              <a:t>User Interface:</a:t>
+            </a:r>
+            <a:r>
+              <a:rPr lang="en" sz="2200" dirty="0"/>
               <a:t> </a:t>
             </a:r>
             <a:r>
-              <a:rPr lang="en" smtClean="0"/>
+              <a:rPr lang="en" sz="2200" dirty="0" smtClean="0"/>
               <a:t>Intiutive GUI </a:t>
             </a:r>
             <a:r>
-              <a:rPr lang="en" dirty="0"/>
-              <a:t>component of the Smart </a:t>
-            </a:r>
-            <a:r>
-              <a:rPr lang="en"/>
-              <a:t>LookUP </a:t>
-            </a:r>
-            <a:r>
-              <a:rPr lang="en" smtClean="0"/>
+              <a:rPr lang="en" sz="2200" dirty="0"/>
+              <a:t>component of the Smart LookUP </a:t>
+            </a:r>
+            <a:r>
+              <a:rPr lang="en" sz="2200" dirty="0" smtClean="0"/>
               <a:t>extension.</a:t>
             </a:r>
-            <a:endParaRPr lang="en" dirty="0"/>
+            <a:endParaRPr lang="en" sz="2200" dirty="0"/>
           </a:p>
         </p:txBody>
       </p:sp>
@@ -6416,69 +6509,364 @@
         </p:nvSpPr>
         <p:spPr>
           <a:xfrm>
-            <a:off x="818712" y="2222287"/>
-            <a:ext cx="10554574" cy="4005518"/>
+            <a:off x="403075" y="2496607"/>
+            <a:ext cx="5997724" cy="4005518"/>
           </a:xfrm>
         </p:spPr>
         <p:txBody>
           <a:bodyPr>
+            <a:noAutofit/>
+          </a:bodyPr>
+          <a:lstStyle/>
+          <a:p>
+            <a:pPr marL="0" indent="0">
+              <a:buNone/>
+            </a:pPr>
+            <a:r>
+              <a:rPr lang="en" sz="2800" b="1" dirty="0"/>
+              <a:t>Platform </a:t>
+            </a:r>
+            <a:r>
+              <a:rPr lang="en" sz="2800" b="1" dirty="0" smtClean="0"/>
+              <a:t>Independent</a:t>
+            </a:r>
+          </a:p>
+          <a:p>
+            <a:r>
+              <a:rPr lang="en" sz="2400" dirty="0" smtClean="0"/>
+              <a:t>Can </a:t>
+            </a:r>
+            <a:r>
+              <a:rPr lang="en" sz="2400" dirty="0"/>
+              <a:t>run on various devices with ease. </a:t>
+            </a:r>
+            <a:endParaRPr lang="en" sz="2000" dirty="0" smtClean="0"/>
+          </a:p>
+          <a:p>
+            <a:pPr marL="0" indent="0">
+              <a:buNone/>
+            </a:pPr>
+            <a:r>
+              <a:rPr lang="en" sz="2800" b="1" dirty="0" smtClean="0"/>
+              <a:t>Ease of Installation</a:t>
+            </a:r>
+            <a:endParaRPr lang="en" sz="2800" b="1" dirty="0" smtClean="0"/>
+          </a:p>
+          <a:p>
+            <a:r>
+              <a:rPr lang="en" sz="2400" dirty="0" smtClean="0"/>
+              <a:t>Availability on the Chrome </a:t>
+            </a:r>
+            <a:r>
+              <a:rPr lang="en" sz="2400" dirty="0"/>
+              <a:t>Web Store</a:t>
+            </a:r>
+            <a:r>
+              <a:rPr lang="en" sz="2400" dirty="0" smtClean="0"/>
+              <a:t>.</a:t>
+            </a:r>
+            <a:endParaRPr lang="en" sz="2000" b="1" dirty="0"/>
+          </a:p>
+          <a:p>
+            <a:pPr marL="0" indent="0">
+              <a:buNone/>
+            </a:pPr>
+            <a:r>
+              <a:rPr lang="en" sz="2800" b="1" dirty="0" smtClean="0"/>
+              <a:t>Modular Design</a:t>
+            </a:r>
+          </a:p>
+          <a:p>
+            <a:r>
+              <a:rPr lang="en" sz="2400" dirty="0" smtClean="0"/>
+              <a:t>Easy to maintain and Update</a:t>
+            </a:r>
+          </a:p>
+          <a:p>
+            <a:pPr marL="0" indent="0">
+              <a:buNone/>
+            </a:pPr>
+            <a:endParaRPr lang="en" sz="2000" dirty="0"/>
+          </a:p>
+        </p:txBody>
+      </p:sp>
+      <p:sp>
+        <p:nvSpPr>
+          <p:cNvPr id="5" name="Content Placeholder 2"/>
+          <p:cNvSpPr txBox="1">
+            <a:spLocks/>
+          </p:cNvSpPr>
+          <p:nvPr/>
+        </p:nvSpPr>
+        <p:spPr>
+          <a:xfrm>
+            <a:off x="6194276" y="2039407"/>
+            <a:ext cx="5997724" cy="4005518"/>
+          </a:xfrm>
+          <a:prstGeom prst="rect">
+            <a:avLst/>
+          </a:prstGeom>
+          <a:effectLst>
+            <a:outerShdw blurRad="50800" dir="14400000">
+              <a:srgbClr val="000000">
+                <a:alpha val="40000"/>
+              </a:srgbClr>
+            </a:outerShdw>
+          </a:effectLst>
+        </p:spPr>
+        <p:txBody>
+          <a:bodyPr vert="horz" lIns="91440" tIns="45720" rIns="91440" bIns="45720" rtlCol="0" anchor="ctr">
             <a:normAutofit/>
           </a:bodyPr>
-          <a:lstStyle/>
+          <a:lstStyle>
+            <a:lvl1pPr marL="342900" indent="-342900" algn="l" defTabSz="457200" rtl="0" eaLnBrk="1" latinLnBrk="0" hangingPunct="1">
+              <a:spcBef>
+                <a:spcPct val="20000"/>
+              </a:spcBef>
+              <a:spcAft>
+                <a:spcPts val="600"/>
+              </a:spcAft>
+              <a:buClr>
+                <a:schemeClr val="accent1"/>
+              </a:buClr>
+              <a:buFont typeface="Wingdings 2" charset="2"/>
+              <a:buChar char=""/>
+              <a:defRPr sz="1800" kern="1200">
+                <a:solidFill>
+                  <a:schemeClr val="tx1"/>
+                </a:solidFill>
+                <a:latin typeface="+mn-lt"/>
+                <a:ea typeface="+mn-ea"/>
+                <a:cs typeface="+mn-cs"/>
+              </a:defRPr>
+            </a:lvl1pPr>
+            <a:lvl2pPr marL="742950" indent="-285750" algn="l" defTabSz="457200" rtl="0" eaLnBrk="1" latinLnBrk="0" hangingPunct="1">
+              <a:spcBef>
+                <a:spcPct val="20000"/>
+              </a:spcBef>
+              <a:spcAft>
+                <a:spcPts val="600"/>
+              </a:spcAft>
+              <a:buClr>
+                <a:schemeClr val="accent1"/>
+              </a:buClr>
+              <a:buFont typeface="Wingdings 2" charset="2"/>
+              <a:buChar char=""/>
+              <a:defRPr sz="1600" kern="1200">
+                <a:solidFill>
+                  <a:schemeClr val="tx1"/>
+                </a:solidFill>
+                <a:latin typeface="+mn-lt"/>
+                <a:ea typeface="+mn-ea"/>
+                <a:cs typeface="+mn-cs"/>
+              </a:defRPr>
+            </a:lvl2pPr>
+            <a:lvl3pPr marL="1143000" indent="-228600" algn="l" defTabSz="457200" rtl="0" eaLnBrk="1" latinLnBrk="0" hangingPunct="1">
+              <a:spcBef>
+                <a:spcPct val="20000"/>
+              </a:spcBef>
+              <a:spcAft>
+                <a:spcPts val="600"/>
+              </a:spcAft>
+              <a:buClr>
+                <a:schemeClr val="accent1"/>
+              </a:buClr>
+              <a:buFont typeface="Wingdings 2" charset="2"/>
+              <a:buChar char=""/>
+              <a:defRPr sz="1400" kern="1200">
+                <a:solidFill>
+                  <a:schemeClr val="tx1"/>
+                </a:solidFill>
+                <a:latin typeface="+mn-lt"/>
+                <a:ea typeface="+mn-ea"/>
+                <a:cs typeface="+mn-cs"/>
+              </a:defRPr>
+            </a:lvl3pPr>
+            <a:lvl4pPr marL="1600200" indent="-228600" algn="l" defTabSz="457200" rtl="0" eaLnBrk="1" latinLnBrk="0" hangingPunct="1">
+              <a:spcBef>
+                <a:spcPct val="20000"/>
+              </a:spcBef>
+              <a:spcAft>
+                <a:spcPts val="600"/>
+              </a:spcAft>
+              <a:buClr>
+                <a:schemeClr val="accent1"/>
+              </a:buClr>
+              <a:buFont typeface="Wingdings 2" charset="2"/>
+              <a:buChar char=""/>
+              <a:defRPr sz="1200" kern="1200">
+                <a:solidFill>
+                  <a:schemeClr val="tx1"/>
+                </a:solidFill>
+                <a:latin typeface="+mn-lt"/>
+                <a:ea typeface="+mn-ea"/>
+                <a:cs typeface="+mn-cs"/>
+              </a:defRPr>
+            </a:lvl4pPr>
+            <a:lvl5pPr marL="2057400" indent="-228600" algn="l" defTabSz="457200" rtl="0" eaLnBrk="1" latinLnBrk="0" hangingPunct="1">
+              <a:spcBef>
+                <a:spcPct val="20000"/>
+              </a:spcBef>
+              <a:spcAft>
+                <a:spcPts val="600"/>
+              </a:spcAft>
+              <a:buClr>
+                <a:schemeClr val="accent1"/>
+              </a:buClr>
+              <a:buFont typeface="Wingdings 2" charset="2"/>
+              <a:buChar char=""/>
+              <a:defRPr sz="1200" kern="1200">
+                <a:solidFill>
+                  <a:schemeClr val="tx1"/>
+                </a:solidFill>
+                <a:latin typeface="+mn-lt"/>
+                <a:ea typeface="+mn-ea"/>
+                <a:cs typeface="+mn-cs"/>
+              </a:defRPr>
+            </a:lvl5pPr>
+            <a:lvl6pPr marL="2400000" indent="-228600" algn="l" defTabSz="457200" rtl="0" eaLnBrk="1" latinLnBrk="0" hangingPunct="1">
+              <a:spcBef>
+                <a:spcPct val="20000"/>
+              </a:spcBef>
+              <a:spcAft>
+                <a:spcPts val="600"/>
+              </a:spcAft>
+              <a:buClr>
+                <a:schemeClr val="accent1"/>
+              </a:buClr>
+              <a:buFont typeface="Wingdings 2" charset="2"/>
+              <a:buChar char=""/>
+              <a:defRPr sz="1200" kern="1200">
+                <a:solidFill>
+                  <a:schemeClr val="tx1"/>
+                </a:solidFill>
+                <a:latin typeface="+mn-lt"/>
+                <a:ea typeface="+mn-ea"/>
+                <a:cs typeface="+mn-cs"/>
+              </a:defRPr>
+            </a:lvl6pPr>
+            <a:lvl7pPr marL="2800000" indent="-228600" algn="l" defTabSz="457200" rtl="0" eaLnBrk="1" latinLnBrk="0" hangingPunct="1">
+              <a:spcBef>
+                <a:spcPct val="20000"/>
+              </a:spcBef>
+              <a:spcAft>
+                <a:spcPts val="600"/>
+              </a:spcAft>
+              <a:buClr>
+                <a:schemeClr val="accent1"/>
+              </a:buClr>
+              <a:buFont typeface="Wingdings 2" charset="2"/>
+              <a:buChar char=""/>
+              <a:defRPr sz="1200" kern="1200">
+                <a:solidFill>
+                  <a:schemeClr val="tx1"/>
+                </a:solidFill>
+                <a:latin typeface="+mn-lt"/>
+                <a:ea typeface="+mn-ea"/>
+                <a:cs typeface="+mn-cs"/>
+              </a:defRPr>
+            </a:lvl7pPr>
+            <a:lvl8pPr marL="3200000" indent="-228600" algn="l" defTabSz="457200" rtl="0" eaLnBrk="1" latinLnBrk="0" hangingPunct="1">
+              <a:spcBef>
+                <a:spcPct val="20000"/>
+              </a:spcBef>
+              <a:spcAft>
+                <a:spcPts val="600"/>
+              </a:spcAft>
+              <a:buClr>
+                <a:schemeClr val="accent1"/>
+              </a:buClr>
+              <a:buFont typeface="Wingdings 2" charset="2"/>
+              <a:buChar char=""/>
+              <a:defRPr sz="1200" kern="1200">
+                <a:solidFill>
+                  <a:schemeClr val="tx1"/>
+                </a:solidFill>
+                <a:latin typeface="+mn-lt"/>
+                <a:ea typeface="+mn-ea"/>
+                <a:cs typeface="+mn-cs"/>
+              </a:defRPr>
+            </a:lvl8pPr>
+            <a:lvl9pPr marL="3600000" indent="-228600" algn="l" defTabSz="457200" rtl="0" eaLnBrk="1" latinLnBrk="0" hangingPunct="1">
+              <a:spcBef>
+                <a:spcPct val="20000"/>
+              </a:spcBef>
+              <a:spcAft>
+                <a:spcPts val="600"/>
+              </a:spcAft>
+              <a:buClr>
+                <a:schemeClr val="accent1"/>
+              </a:buClr>
+              <a:buFont typeface="Wingdings 2" charset="2"/>
+              <a:buChar char=""/>
+              <a:defRPr sz="1200" kern="1200">
+                <a:solidFill>
+                  <a:schemeClr val="tx1"/>
+                </a:solidFill>
+                <a:latin typeface="+mn-lt"/>
+                <a:ea typeface="+mn-ea"/>
+                <a:cs typeface="+mn-cs"/>
+              </a:defRPr>
+            </a:lvl9pPr>
+          </a:lstStyle>
           <a:p>
             <a:pPr marL="0" indent="0">
               <a:buNone/>
             </a:pPr>
             <a:r>
-              <a:rPr lang="en" b="1" dirty="0"/>
-              <a:t>Platform Independent: </a:t>
-            </a:r>
-            <a:r>
-              <a:rPr lang="en" dirty="0"/>
-              <a:t>Smart LookUP can run on various devices with ease. Once deployed, it can be easily installed from the Chrome Web Store.</a:t>
-            </a:r>
+              <a:rPr lang="en" sz="2800" b="1" dirty="0"/>
+              <a:t>Extensible</a:t>
+            </a:r>
+          </a:p>
+          <a:p>
+            <a:r>
+              <a:rPr lang="en" sz="2400" dirty="0"/>
+              <a:t>Easy to add new </a:t>
+            </a:r>
+            <a:r>
+              <a:rPr lang="en" sz="2400" dirty="0" smtClean="0"/>
+              <a:t>features</a:t>
+            </a:r>
+            <a:endParaRPr lang="en-US" sz="2000" b="1" dirty="0"/>
           </a:p>
           <a:p>
             <a:pPr marL="0" indent="0">
               <a:buNone/>
             </a:pPr>
-            <a:endParaRPr lang="en" b="1" dirty="0"/>
+            <a:endParaRPr lang="en-US" sz="2800" b="1" dirty="0" smtClean="0"/>
           </a:p>
           <a:p>
             <a:pPr marL="0" indent="0">
               <a:buNone/>
             </a:pPr>
             <a:r>
-              <a:rPr lang="en" b="1" dirty="0"/>
-              <a:t>Modularity:</a:t>
-            </a:r>
-            <a:r>
-              <a:rPr lang="en" dirty="0"/>
-              <a:t> Using REST APIs for communication among different component with JSON objects brings the modularity in our design and make the components independent of each other.</a:t>
-            </a:r>
-          </a:p>
-          <a:p>
-            <a:r>
-              <a:rPr lang="en" dirty="0"/>
-              <a:t>This helps us to customize the extension to different customers uniquely</a:t>
+              <a:rPr lang="en-US" sz="2800" b="1" dirty="0" smtClean="0"/>
+              <a:t>Ease </a:t>
+            </a:r>
+            <a:r>
+              <a:rPr lang="en-US" sz="2800" b="1" dirty="0"/>
+              <a:t>of Use</a:t>
+            </a:r>
+          </a:p>
+          <a:p>
+            <a:r>
+              <a:rPr lang="en-US" sz="2400" dirty="0"/>
+              <a:t>No manual Required, even for a </a:t>
             </a:r>
             <a:br>
-              <a:rPr lang="en" dirty="0"/>
+              <a:rPr lang="en-US" sz="2400" dirty="0"/>
             </a:br>
-            <a:endParaRPr lang="en" dirty="0"/>
-          </a:p>
-          <a:p>
-            <a:pPr marL="0" indent="0">
-              <a:buNone/>
-            </a:pPr>
-            <a:r>
-              <a:rPr lang="en-US" b="1" dirty="0"/>
-              <a:t>User Friendliness</a:t>
-            </a:r>
-            <a:r>
-              <a:rPr lang="en-US" dirty="0"/>
-              <a:t>: The UI is simple to use and intuitive. The user can enable or disable Smart LookUP easily. The user has no need to switch among multiple windows as relevant content from their favorite search engines are available to them in a ready to use manner. It increases user’s efficiency to research the web content and save the user’s time.</a:t>
-            </a:r>
+            <a:r>
+              <a:rPr lang="en-US" sz="2400" dirty="0" smtClean="0"/>
+              <a:t>novice </a:t>
+            </a:r>
+            <a:r>
+              <a:rPr lang="en-US" sz="2400" dirty="0"/>
+              <a:t>user</a:t>
+            </a:r>
+          </a:p>
+          <a:p>
+            <a:endParaRPr lang="en-US" sz="2000" dirty="0"/>
           </a:p>
         </p:txBody>
       </p:sp>
@@ -6567,30 +6955,84 @@
             <p:ph idx="1"/>
           </p:nvPr>
         </p:nvSpPr>
-        <p:spPr/>
-        <p:txBody>
-          <a:bodyPr/>
+        <p:spPr>
+          <a:xfrm>
+            <a:off x="810000" y="2363604"/>
+            <a:ext cx="10554574" cy="4361393"/>
+          </a:xfrm>
+        </p:spPr>
+        <p:txBody>
+          <a:bodyPr>
+            <a:noAutofit/>
+          </a:bodyPr>
           <a:lstStyle/>
           <a:p>
             <a:pPr marL="0" indent="0">
               <a:buNone/>
             </a:pPr>
-            <a:r>
-              <a:rPr lang="en" dirty="0"/>
-              <a:t>Smart LookUP empowers users by providing relevant content from the web in real time. A user can use it to research the content of any page comprehensively, in the comfort of the same tab.</a:t>
-            </a:r>
+            <a:endParaRPr lang="en" sz="3200" dirty="0" smtClean="0"/>
           </a:p>
           <a:p>
             <a:pPr marL="0" indent="0">
               <a:buNone/>
             </a:pPr>
-            <a:endParaRPr lang="en-US" dirty="0"/>
+            <a:r>
+              <a:rPr lang="en" sz="3200" b="1" dirty="0" smtClean="0"/>
+              <a:t>Smart </a:t>
+            </a:r>
+            <a:r>
+              <a:rPr lang="en" sz="3200" b="1" dirty="0"/>
+              <a:t>LookUP </a:t>
+            </a:r>
+            <a:r>
+              <a:rPr lang="en" sz="3200" b="1" dirty="0" smtClean="0"/>
+              <a:t>: </a:t>
+            </a:r>
           </a:p>
           <a:p>
             <a:pPr marL="0" indent="0">
               <a:buNone/>
             </a:pPr>
-            <a:endParaRPr lang="en-US" dirty="0"/>
+            <a:r>
+              <a:rPr lang="en" sz="3200" dirty="0" smtClean="0"/>
+              <a:t>Helps in designing quality content in real time</a:t>
+            </a:r>
+          </a:p>
+          <a:p>
+            <a:pPr marL="0" indent="0">
+              <a:buNone/>
+            </a:pPr>
+            <a:endParaRPr lang="en" sz="3200" dirty="0"/>
+          </a:p>
+          <a:p>
+            <a:pPr marL="0" indent="0">
+              <a:buNone/>
+            </a:pPr>
+            <a:r>
+              <a:rPr lang="en" sz="3200" b="1" dirty="0" smtClean="0"/>
+              <a:t>Target Audience: </a:t>
+            </a:r>
+          </a:p>
+          <a:p>
+            <a:pPr marL="0" indent="0">
+              <a:buNone/>
+            </a:pPr>
+            <a:r>
+              <a:rPr lang="en" sz="3200" dirty="0" smtClean="0"/>
+              <a:t>Writers, Researchers, Media Industry, Content Creators, Business Analysts, Market Watchers, …</a:t>
+            </a:r>
+          </a:p>
+          <a:p>
+            <a:pPr marL="0" indent="0">
+              <a:buNone/>
+            </a:pPr>
+            <a:endParaRPr lang="en-US" sz="3200" dirty="0"/>
+          </a:p>
+          <a:p>
+            <a:pPr marL="0" indent="0">
+              <a:buNone/>
+            </a:pPr>
+            <a:endParaRPr lang="en-US" sz="3200" dirty="0"/>
           </a:p>
         </p:txBody>
       </p:sp>
@@ -6661,7 +7103,7 @@
               <a:rPr lang="en-US" sz="2000" dirty="0">
                 <a:latin typeface="Josefin Sans" pitchFamily="2" charset="0"/>
               </a:rPr>
-              <a:t>Everyone of us is different !</a:t>
+              <a:t>Monetization (free version)</a:t>
             </a:r>
             <a:endParaRPr lang="en-US" dirty="0">
               <a:latin typeface="Josefin Sans" pitchFamily="2" charset="0"/>
@@ -6669,42 +7111,172 @@
           </a:p>
         </p:txBody>
       </p:sp>
-      <p:sp>
-        <p:nvSpPr>
-          <p:cNvPr id="3" name="Content Placeholder 2"/>
-          <p:cNvSpPr>
-            <a:spLocks noGrp="1"/>
-          </p:cNvSpPr>
-          <p:nvPr>
-            <p:ph idx="1"/>
-          </p:nvPr>
-        </p:nvSpPr>
-        <p:spPr/>
-        <p:txBody>
-          <a:bodyPr/>
-          <a:lstStyle/>
-          <a:p>
-            <a:pPr marL="0" indent="0">
-              <a:buNone/>
-            </a:pPr>
-            <a:r>
-              <a:rPr lang="en" dirty="0"/>
-              <a:t>Smart LookUP empowers users by providing relevant content from the web in real time. A user can use it to research the content of any page comprehensively, in the comfort of the same tab.</a:t>
-            </a:r>
-          </a:p>
-          <a:p>
-            <a:pPr marL="0" indent="0">
-              <a:buNone/>
-            </a:pPr>
+      <p:pic>
+        <p:nvPicPr>
+          <p:cNvPr id="14" name="Content Placeholder 13"/>
+          <p:cNvPicPr>
+            <a:picLocks noGrp="1" noChangeAspect="1"/>
+          </p:cNvPicPr>
+          <p:nvPr>
+            <p:ph sz="half" idx="1"/>
+          </p:nvPr>
+        </p:nvPicPr>
+        <p:blipFill>
+          <a:blip r:embed="rId2"/>
+          <a:stretch>
+            <a:fillRect/>
+          </a:stretch>
+        </p:blipFill>
+        <p:spPr>
+          <a:xfrm>
+            <a:off x="515914" y="2469635"/>
+            <a:ext cx="3122187" cy="3638550"/>
+          </a:xfrm>
+        </p:spPr>
+      </p:pic>
+      <p:pic>
+        <p:nvPicPr>
+          <p:cNvPr id="21" name="Content Placeholder 20"/>
+          <p:cNvPicPr>
+            <a:picLocks noGrp="1" noChangeAspect="1"/>
+          </p:cNvPicPr>
+          <p:nvPr>
+            <p:ph sz="half" idx="2"/>
+          </p:nvPr>
+        </p:nvPicPr>
+        <p:blipFill>
+          <a:blip r:embed="rId3"/>
+          <a:stretch>
+            <a:fillRect/>
+          </a:stretch>
+        </p:blipFill>
+        <p:spPr>
+          <a:xfrm>
+            <a:off x="8312908" y="2469635"/>
+            <a:ext cx="3069090" cy="3638550"/>
+          </a:xfrm>
+        </p:spPr>
+      </p:pic>
+      <p:sp>
+        <p:nvSpPr>
+          <p:cNvPr id="17" name="TextBox 16"/>
+          <p:cNvSpPr txBox="1"/>
+          <p:nvPr/>
+        </p:nvSpPr>
+        <p:spPr>
+          <a:xfrm flipH="1">
+            <a:off x="4049856" y="4563633"/>
+            <a:ext cx="4019654" cy="1544552"/>
+          </a:xfrm>
+          <a:prstGeom prst="rect">
+            <a:avLst/>
+          </a:prstGeom>
+          <a:noFill/>
+        </p:spPr>
+        <p:txBody>
+          <a:bodyPr wrap="square" rtlCol="0">
+            <a:spAutoFit/>
+          </a:bodyPr>
+          <a:lstStyle/>
+          <a:p>
             <a:endParaRPr lang="en-US" dirty="0"/>
           </a:p>
-          <a:p>
-            <a:pPr marL="0" indent="0">
-              <a:buNone/>
-            </a:pPr>
-            <a:r>
-              <a:rPr lang="en-US" dirty="0"/>
-              <a:t>Different users have specific needs and care about different content.</a:t>
+        </p:txBody>
+      </p:sp>
+      <p:sp>
+        <p:nvSpPr>
+          <p:cNvPr id="18" name="Speech Bubble: Rectangle 17"/>
+          <p:cNvSpPr/>
+          <p:nvPr/>
+        </p:nvSpPr>
+        <p:spPr>
+          <a:xfrm>
+            <a:off x="4086172" y="2520521"/>
+            <a:ext cx="4019654" cy="1203581"/>
+          </a:xfrm>
+          <a:prstGeom prst="wedgeRectCallout">
+            <a:avLst>
+              <a:gd name="adj1" fmla="val -58644"/>
+              <a:gd name="adj2" fmla="val -21611"/>
+            </a:avLst>
+          </a:prstGeom>
+        </p:spPr>
+        <p:style>
+          <a:lnRef idx="2">
+            <a:schemeClr val="accent1">
+              <a:shade val="50000"/>
+            </a:schemeClr>
+          </a:lnRef>
+          <a:fillRef idx="1">
+            <a:schemeClr val="accent1"/>
+          </a:fillRef>
+          <a:effectRef idx="0">
+            <a:schemeClr val="accent1"/>
+          </a:effectRef>
+          <a:fontRef idx="minor">
+            <a:schemeClr val="lt1"/>
+          </a:fontRef>
+        </p:style>
+        <p:txBody>
+          <a:bodyPr rtlCol="0" anchor="ctr"/>
+          <a:lstStyle/>
+          <a:p>
+            <a:r>
+              <a:rPr lang="en-US" sz="2400" dirty="0">
+                <a:solidFill>
+                  <a:schemeClr val="bg1"/>
+                </a:solidFill>
+              </a:rPr>
+              <a:t>Cards can be used to show ads that can be monetized easily.</a:t>
+            </a:r>
+          </a:p>
+        </p:txBody>
+      </p:sp>
+      <p:sp>
+        <p:nvSpPr>
+          <p:cNvPr id="19" name="Speech Bubble: Rectangle 18"/>
+          <p:cNvSpPr/>
+          <p:nvPr/>
+        </p:nvSpPr>
+        <p:spPr>
+          <a:xfrm>
+            <a:off x="4086172" y="4705004"/>
+            <a:ext cx="4019654" cy="1403181"/>
+          </a:xfrm>
+          <a:prstGeom prst="wedgeRectCallout">
+            <a:avLst>
+              <a:gd name="adj1" fmla="val 56327"/>
+              <a:gd name="adj2" fmla="val -22925"/>
+            </a:avLst>
+          </a:prstGeom>
+        </p:spPr>
+        <p:style>
+          <a:lnRef idx="2">
+            <a:schemeClr val="accent1">
+              <a:shade val="50000"/>
+            </a:schemeClr>
+          </a:lnRef>
+          <a:fillRef idx="1">
+            <a:schemeClr val="accent1"/>
+          </a:fillRef>
+          <a:effectRef idx="0">
+            <a:schemeClr val="accent1"/>
+          </a:effectRef>
+          <a:fontRef idx="minor">
+            <a:schemeClr val="lt1"/>
+          </a:fontRef>
+        </p:style>
+        <p:txBody>
+          <a:bodyPr rtlCol="0" anchor="ctr"/>
+          <a:lstStyle/>
+          <a:p>
+            <a:r>
+              <a:rPr lang="en-US" sz="2400" dirty="0">
+                <a:solidFill>
+                  <a:schemeClr val="bg1"/>
+                </a:solidFill>
+              </a:rPr>
+              <a:t>We can charge services, so that their results appear higher in the search.</a:t>
             </a:r>
           </a:p>
         </p:txBody>
@@ -6712,7 +7284,7 @@
     </p:spTree>
     <p:extLst>
       <p:ext uri="{BB962C8B-B14F-4D97-AF65-F5344CB8AC3E}">
-        <p14:creationId xmlns:p14="http://schemas.microsoft.com/office/powerpoint/2010/main" val="2279781272"/>
+        <p14:creationId xmlns:p14="http://schemas.microsoft.com/office/powerpoint/2010/main" val="1015587647"/>
       </p:ext>
     </p:extLst>
   </p:cSld>
@@ -6776,7 +7348,7 @@
               <a:rPr lang="en-US" sz="2000" dirty="0">
                 <a:latin typeface="Josefin Sans" pitchFamily="2" charset="0"/>
               </a:rPr>
-              <a:t>Monetization (free version)</a:t>
+              <a:t>Monetization (paid version)</a:t>
             </a:r>
             <a:endParaRPr lang="en-US" dirty="0">
               <a:latin typeface="Josefin Sans" pitchFamily="2" charset="0"/>
@@ -6784,14 +7356,167 @@
           </a:p>
         </p:txBody>
       </p:sp>
+      <p:sp>
+        <p:nvSpPr>
+          <p:cNvPr id="3" name="Content Placeholder 2"/>
+          <p:cNvSpPr>
+            <a:spLocks noGrp="1"/>
+          </p:cNvSpPr>
+          <p:nvPr>
+            <p:ph sz="half" idx="1"/>
+          </p:nvPr>
+        </p:nvSpPr>
+        <p:spPr>
+          <a:xfrm>
+            <a:off x="818712" y="2222286"/>
+            <a:ext cx="7568830" cy="4427895"/>
+          </a:xfrm>
+        </p:spPr>
+        <p:txBody>
+          <a:bodyPr>
+            <a:normAutofit/>
+          </a:bodyPr>
+          <a:lstStyle/>
+          <a:p>
+            <a:pPr marL="0" indent="0">
+              <a:buNone/>
+            </a:pPr>
+            <a:r>
+              <a:rPr lang="en-US" sz="2400" b="1" dirty="0" smtClean="0">
+                <a:effectLst/>
+              </a:rPr>
+              <a:t>3</a:t>
+            </a:r>
+            <a:r>
+              <a:rPr lang="en-US" sz="2400" b="1" baseline="30000" dirty="0" smtClean="0">
+                <a:effectLst/>
+              </a:rPr>
+              <a:t>rd</a:t>
+            </a:r>
+            <a:r>
+              <a:rPr lang="en-US" sz="2400" b="1" dirty="0" smtClean="0">
+                <a:effectLst/>
+              </a:rPr>
+              <a:t> party service integrations: </a:t>
+            </a:r>
+            <a:r>
+              <a:rPr lang="en-US" sz="2400" dirty="0" smtClean="0">
+                <a:effectLst/>
+              </a:rPr>
+              <a:t>More services can be added to extend the plugin</a:t>
+            </a:r>
+            <a:endParaRPr lang="en-US" sz="2400" dirty="0">
+              <a:effectLst/>
+            </a:endParaRPr>
+          </a:p>
+          <a:p>
+            <a:pPr marL="0" indent="0">
+              <a:buNone/>
+            </a:pPr>
+            <a:endParaRPr lang="en-US" sz="2400" b="1" dirty="0" smtClean="0">
+              <a:effectLst/>
+            </a:endParaRPr>
+          </a:p>
+          <a:p>
+            <a:pPr marL="0" indent="0">
+              <a:buNone/>
+            </a:pPr>
+            <a:r>
+              <a:rPr lang="en-US" sz="2400" b="1" dirty="0" smtClean="0">
+                <a:effectLst/>
+              </a:rPr>
+              <a:t>Customized Smart </a:t>
+            </a:r>
+            <a:r>
+              <a:rPr lang="en-US" sz="2400" b="1" dirty="0" err="1" smtClean="0">
+                <a:effectLst/>
+              </a:rPr>
+              <a:t>LookUP</a:t>
+            </a:r>
+            <a:r>
+              <a:rPr lang="en-US" sz="2400" b="1" dirty="0" smtClean="0">
+                <a:effectLst/>
+              </a:rPr>
+              <a:t>: </a:t>
+            </a:r>
+            <a:r>
+              <a:rPr lang="en-US" sz="2400" dirty="0"/>
+              <a:t>B</a:t>
+            </a:r>
+            <a:r>
+              <a:rPr lang="en-US" sz="2400" dirty="0" smtClean="0">
+                <a:effectLst/>
+              </a:rPr>
+              <a:t>ased </a:t>
+            </a:r>
+            <a:r>
+              <a:rPr lang="en-US" sz="2400" dirty="0">
+                <a:effectLst/>
+              </a:rPr>
+              <a:t>on </a:t>
+            </a:r>
+            <a:r>
+              <a:rPr lang="en-US" sz="2400" dirty="0" smtClean="0">
+                <a:effectLst/>
+              </a:rPr>
+              <a:t>users </a:t>
+            </a:r>
+            <a:r>
+              <a:rPr lang="en-US" sz="2400" dirty="0">
+                <a:effectLst/>
+              </a:rPr>
+              <a:t>domain of </a:t>
+            </a:r>
+            <a:r>
+              <a:rPr lang="en-US" sz="2400" dirty="0" smtClean="0"/>
+              <a:t>interest</a:t>
+            </a:r>
+            <a:r>
+              <a:rPr lang="en-US" sz="2400" dirty="0" smtClean="0">
+                <a:effectLst/>
+              </a:rPr>
+              <a:t>.</a:t>
+            </a:r>
+            <a:endParaRPr lang="en-US" sz="2400" dirty="0">
+              <a:effectLst/>
+            </a:endParaRPr>
+          </a:p>
+          <a:p>
+            <a:pPr marL="0" indent="0">
+              <a:buNone/>
+            </a:pPr>
+            <a:r>
+              <a:rPr lang="en-US" sz="2400" dirty="0" smtClean="0">
+                <a:effectLst/>
+              </a:rPr>
+              <a:t>Example: Someone </a:t>
+            </a:r>
+            <a:r>
+              <a:rPr lang="en-US" sz="2400" dirty="0">
+                <a:effectLst/>
+              </a:rPr>
+              <a:t>in academia, can opt to choose google scholar search, while a different person in stock markets might be only interested in real time </a:t>
+            </a:r>
+            <a:r>
+              <a:rPr lang="en-US" sz="2400" dirty="0" smtClean="0">
+                <a:effectLst/>
+              </a:rPr>
+              <a:t>stock news.</a:t>
+            </a:r>
+            <a:endParaRPr lang="en-US" sz="2400" dirty="0">
+              <a:effectLst/>
+            </a:endParaRPr>
+          </a:p>
+        </p:txBody>
+      </p:sp>
       <p:pic>
         <p:nvPicPr>
-          <p:cNvPr id="14" name="Content Placeholder 13"/>
+          <p:cNvPr id="5" name="Content Placeholder 4"/>
           <p:cNvPicPr>
             <a:picLocks noGrp="1" noChangeAspect="1"/>
           </p:cNvPicPr>
           <p:nvPr>
-            <p:ph sz="half" idx="1"/>
+            <p:ph sz="half" idx="2"/>
           </p:nvPr>
         </p:nvPicPr>
         <p:blipFill>
@@ -6802,31 +7527,8 @@
         </p:blipFill>
         <p:spPr>
           <a:xfrm>
-            <a:off x="515914" y="2469635"/>
-            <a:ext cx="3122187" cy="3638550"/>
-          </a:xfrm>
-        </p:spPr>
-      </p:pic>
-      <p:pic>
-        <p:nvPicPr>
-          <p:cNvPr id="21" name="Content Placeholder 20"/>
-          <p:cNvPicPr>
-            <a:picLocks noGrp="1" noChangeAspect="1"/>
-          </p:cNvPicPr>
-          <p:nvPr>
-            <p:ph sz="half" idx="2"/>
-          </p:nvPr>
-        </p:nvPicPr>
-        <p:blipFill>
-          <a:blip r:embed="rId3"/>
-          <a:stretch>
-            <a:fillRect/>
-          </a:stretch>
-        </p:blipFill>
-        <p:spPr>
-          <a:xfrm>
-            <a:off x="8312908" y="2469635"/>
-            <a:ext cx="3069090" cy="3638550"/>
+            <a:off x="8704812" y="2505134"/>
+            <a:ext cx="3153409" cy="3638550"/>
           </a:xfrm>
         </p:spPr>
       </p:pic>
@@ -6856,108 +7558,10 @@
           </a:p>
         </p:txBody>
       </p:sp>
-      <p:sp>
-        <p:nvSpPr>
-          <p:cNvPr id="18" name="Speech Bubble: Rectangle 17"/>
-          <p:cNvSpPr/>
-          <p:nvPr/>
-        </p:nvSpPr>
-        <p:spPr>
-          <a:xfrm>
-            <a:off x="4086172" y="2520521"/>
-            <a:ext cx="4019654" cy="940229"/>
-          </a:xfrm>
-          <a:prstGeom prst="wedgeRectCallout">
-            <a:avLst>
-              <a:gd name="adj1" fmla="val -58644"/>
-              <a:gd name="adj2" fmla="val -21611"/>
-            </a:avLst>
-          </a:prstGeom>
-        </p:spPr>
-        <p:style>
-          <a:lnRef idx="2">
-            <a:schemeClr val="accent1">
-              <a:shade val="50000"/>
-            </a:schemeClr>
-          </a:lnRef>
-          <a:fillRef idx="1">
-            <a:schemeClr val="accent1"/>
-          </a:fillRef>
-          <a:effectRef idx="0">
-            <a:schemeClr val="accent1"/>
-          </a:effectRef>
-          <a:fontRef idx="minor">
-            <a:schemeClr val="lt1"/>
-          </a:fontRef>
-        </p:style>
-        <p:txBody>
-          <a:bodyPr rtlCol="0" anchor="ctr"/>
-          <a:lstStyle/>
-          <a:p>
-            <a:r>
-              <a:rPr lang="en-US" dirty="0">
-                <a:solidFill>
-                  <a:schemeClr val="bg1"/>
-                </a:solidFill>
-              </a:rPr>
-              <a:t>Cards can be used to show ads that can be monetized easily.</a:t>
-            </a:r>
-          </a:p>
-        </p:txBody>
-      </p:sp>
-      <p:sp>
-        <p:nvSpPr>
-          <p:cNvPr id="19" name="Speech Bubble: Rectangle 18"/>
-          <p:cNvSpPr/>
-          <p:nvPr/>
-        </p:nvSpPr>
-        <p:spPr>
-          <a:xfrm>
-            <a:off x="4086172" y="5167956"/>
-            <a:ext cx="4019654" cy="940229"/>
-          </a:xfrm>
-          <a:prstGeom prst="wedgeRectCallout">
-            <a:avLst>
-              <a:gd name="adj1" fmla="val 56327"/>
-              <a:gd name="adj2" fmla="val -22925"/>
-            </a:avLst>
-          </a:prstGeom>
-        </p:spPr>
-        <p:style>
-          <a:lnRef idx="2">
-            <a:schemeClr val="accent1">
-              <a:shade val="50000"/>
-            </a:schemeClr>
-          </a:lnRef>
-          <a:fillRef idx="1">
-            <a:schemeClr val="accent1"/>
-          </a:fillRef>
-          <a:effectRef idx="0">
-            <a:schemeClr val="accent1"/>
-          </a:effectRef>
-          <a:fontRef idx="minor">
-            <a:schemeClr val="lt1"/>
-          </a:fontRef>
-        </p:style>
-        <p:txBody>
-          <a:bodyPr rtlCol="0" anchor="ctr"/>
-          <a:lstStyle/>
-          <a:p>
-            <a:r>
-              <a:rPr lang="en-US" dirty="0">
-                <a:solidFill>
-                  <a:schemeClr val="bg1"/>
-                </a:solidFill>
-              </a:rPr>
-              <a:t>We can charge services, so that their results appear higher in the search.</a:t>
-            </a:r>
-          </a:p>
-        </p:txBody>
-      </p:sp>
     </p:spTree>
     <p:extLst>
       <p:ext uri="{BB962C8B-B14F-4D97-AF65-F5344CB8AC3E}">
-        <p14:creationId xmlns:p14="http://schemas.microsoft.com/office/powerpoint/2010/main" val="1015587647"/>
+        <p14:creationId xmlns:p14="http://schemas.microsoft.com/office/powerpoint/2010/main" val="890153283"/>
       </p:ext>
     </p:extLst>
   </p:cSld>
